--- a/logo.pptx
+++ b/logo.pptx
@@ -5,8 +5,12 @@
     <p:sldMasterId id="2147483648" r:id="rId1"/>
   </p:sldMasterIdLst>
   <p:sldIdLst>
-    <p:sldId id="257" r:id="rId2"/>
+    <p:sldId id="263" r:id="rId2"/>
     <p:sldId id="258" r:id="rId3"/>
+    <p:sldId id="259" r:id="rId4"/>
+    <p:sldId id="260" r:id="rId5"/>
+    <p:sldId id="261" r:id="rId6"/>
+    <p:sldId id="262" r:id="rId7"/>
   </p:sldIdLst>
   <p:sldSz cx="12192000" cy="6858000"/>
   <p:notesSz cx="6858000" cy="9144000"/>
@@ -105,6 +109,11 @@
       </a:defRPr>
     </a:lvl9pPr>
   </p:defaultTextStyle>
+  <p:extLst>
+    <p:ext uri="{EFAFB233-063F-42B5-8137-9DF3F51BA10A}">
+      <p15:sldGuideLst xmlns:p15="http://schemas.microsoft.com/office/powerpoint/2012/main"/>
+    </p:ext>
+  </p:extLst>
 </p:presentation>
 </file>
 
@@ -3343,177 +3352,164 @@
           <a:chExt cx="0" cy="0"/>
         </a:xfrm>
       </p:grpSpPr>
-      <p:grpSp>
-        <p:nvGrpSpPr>
-          <p:cNvPr id="3" name="Group 2">
-            <a:extLst>
-              <a:ext uri="{FF2B5EF4-FFF2-40B4-BE49-F238E27FC236}">
-                <a16:creationId xmlns:a16="http://schemas.microsoft.com/office/drawing/2014/main" id="{24F93F18-951B-475C-AAB4-DF3BA89495BC}"/>
-              </a:ext>
-            </a:extLst>
-          </p:cNvPr>
-          <p:cNvGrpSpPr/>
+      <p:sp>
+        <p:nvSpPr>
+          <p:cNvPr id="10" name="Rectangle: Top Corners Rounded 9">
+            <a:extLst>
+              <a:ext uri="{FF2B5EF4-FFF2-40B4-BE49-F238E27FC236}">
+                <a16:creationId xmlns:a16="http://schemas.microsoft.com/office/drawing/2014/main" id="{2AB9AE14-FB16-47D5-9199-59F7C6F5FCF3}"/>
+              </a:ext>
+            </a:extLst>
+          </p:cNvPr>
+          <p:cNvSpPr/>
           <p:nvPr/>
-        </p:nvGrpSpPr>
-        <p:grpSpPr>
-          <a:xfrm>
-            <a:off x="606425" y="2965451"/>
-            <a:ext cx="3568698" cy="936625"/>
-            <a:chOff x="606425" y="2960688"/>
-            <a:chExt cx="3568698" cy="936625"/>
+        </p:nvSpPr>
+        <p:spPr>
+          <a:xfrm rot="5400000">
+            <a:off x="2036761" y="1758951"/>
+            <a:ext cx="936625" cy="3340099"/>
           </a:xfrm>
-        </p:grpSpPr>
-        <p:sp>
-          <p:nvSpPr>
-            <p:cNvPr id="10" name="Rectangle: Top Corners Rounded 9">
-              <a:extLst>
-                <a:ext uri="{FF2B5EF4-FFF2-40B4-BE49-F238E27FC236}">
-                  <a16:creationId xmlns:a16="http://schemas.microsoft.com/office/drawing/2014/main" id="{2AB9AE14-FB16-47D5-9199-59F7C6F5FCF3}"/>
-                </a:ext>
-              </a:extLst>
-            </p:cNvPr>
-            <p:cNvSpPr/>
-            <p:nvPr/>
-          </p:nvSpPr>
-          <p:spPr>
-            <a:xfrm rot="5400000">
-              <a:off x="2036761" y="1758951"/>
-              <a:ext cx="936625" cy="3340099"/>
-            </a:xfrm>
-            <a:prstGeom prst="round2SameRect">
-              <a:avLst>
-                <a:gd name="adj1" fmla="val 42881"/>
-                <a:gd name="adj2" fmla="val 0"/>
-              </a:avLst>
-            </a:prstGeom>
-            <a:noFill/>
-            <a:ln w="19050">
+          <a:prstGeom prst="round2SameRect">
+            <a:avLst>
+              <a:gd name="adj1" fmla="val 42881"/>
+              <a:gd name="adj2" fmla="val 0"/>
+            </a:avLst>
+          </a:prstGeom>
+          <a:noFill/>
+          <a:ln w="19050">
+            <a:solidFill>
+              <a:srgbClr val="D4D4D4"/>
+            </a:solidFill>
+          </a:ln>
+        </p:spPr>
+        <p:style>
+          <a:lnRef idx="2">
+            <a:schemeClr val="accent1">
+              <a:shade val="50000"/>
+            </a:schemeClr>
+          </a:lnRef>
+          <a:fillRef idx="1">
+            <a:schemeClr val="accent1"/>
+          </a:fillRef>
+          <a:effectRef idx="0">
+            <a:schemeClr val="accent1"/>
+          </a:effectRef>
+          <a:fontRef idx="minor">
+            <a:schemeClr val="lt1"/>
+          </a:fontRef>
+        </p:style>
+        <p:txBody>
+          <a:bodyPr rtlCol="0" anchor="ctr"/>
+          <a:lstStyle/>
+          <a:p>
+            <a:pPr algn="ctr"/>
+            <a:endParaRPr lang="en-GB" dirty="0">
               <a:solidFill>
                 <a:srgbClr val="D4D4D4"/>
               </a:solidFill>
-            </a:ln>
-          </p:spPr>
-          <p:style>
-            <a:lnRef idx="2">
-              <a:schemeClr val="accent1">
-                <a:shade val="50000"/>
-              </a:schemeClr>
-            </a:lnRef>
-            <a:fillRef idx="1">
-              <a:schemeClr val="accent1"/>
-            </a:fillRef>
-            <a:effectRef idx="0">
-              <a:schemeClr val="accent1"/>
-            </a:effectRef>
-            <a:fontRef idx="minor">
-              <a:schemeClr val="lt1"/>
-            </a:fontRef>
-          </p:style>
-          <p:txBody>
-            <a:bodyPr rtlCol="0" anchor="ctr"/>
-            <a:lstStyle/>
-            <a:p>
-              <a:pPr algn="ctr"/>
-              <a:endParaRPr lang="en-GB" dirty="0"/>
-            </a:p>
-          </p:txBody>
-        </p:sp>
-        <p:cxnSp>
-          <p:nvCxnSpPr>
-            <p:cNvPr id="7" name="Straight Connector 6">
-              <a:extLst>
-                <a:ext uri="{FF2B5EF4-FFF2-40B4-BE49-F238E27FC236}">
-                  <a16:creationId xmlns:a16="http://schemas.microsoft.com/office/drawing/2014/main" id="{0500769E-EFC8-4A0C-AC6E-CEBE5E869FB1}"/>
-                </a:ext>
-              </a:extLst>
-            </p:cNvPr>
-            <p:cNvCxnSpPr>
-              <a:cxnSpLocks/>
-            </p:cNvCxnSpPr>
-            <p:nvPr/>
-          </p:nvCxnSpPr>
-          <p:spPr>
-            <a:xfrm>
-              <a:off x="606425" y="2960688"/>
-              <a:ext cx="0" cy="936625"/>
-            </a:xfrm>
-            <a:prstGeom prst="line">
-              <a:avLst/>
-            </a:prstGeom>
-            <a:ln w="19050">
+            </a:endParaRPr>
+          </a:p>
+        </p:txBody>
+      </p:sp>
+      <p:cxnSp>
+        <p:nvCxnSpPr>
+          <p:cNvPr id="7" name="Straight Connector 6">
+            <a:extLst>
+              <a:ext uri="{FF2B5EF4-FFF2-40B4-BE49-F238E27FC236}">
+                <a16:creationId xmlns:a16="http://schemas.microsoft.com/office/drawing/2014/main" id="{0500769E-EFC8-4A0C-AC6E-CEBE5E869FB1}"/>
+              </a:ext>
+            </a:extLst>
+          </p:cNvPr>
+          <p:cNvCxnSpPr>
+            <a:cxnSpLocks/>
+          </p:cNvCxnSpPr>
+          <p:nvPr/>
+        </p:nvCxnSpPr>
+        <p:spPr>
+          <a:xfrm>
+            <a:off x="606425" y="2960687"/>
+            <a:ext cx="0" cy="936625"/>
+          </a:xfrm>
+          <a:prstGeom prst="line">
+            <a:avLst/>
+          </a:prstGeom>
+          <a:ln w="19050">
+            <a:solidFill>
+              <a:srgbClr val="D4D4D4"/>
+            </a:solidFill>
+          </a:ln>
+        </p:spPr>
+        <p:style>
+          <a:lnRef idx="1">
+            <a:schemeClr val="accent1"/>
+          </a:lnRef>
+          <a:fillRef idx="0">
+            <a:schemeClr val="accent1"/>
+          </a:fillRef>
+          <a:effectRef idx="0">
+            <a:schemeClr val="accent1"/>
+          </a:effectRef>
+          <a:fontRef idx="minor">
+            <a:schemeClr val="tx1"/>
+          </a:fontRef>
+        </p:style>
+      </p:cxnSp>
+      <p:sp>
+        <p:nvSpPr>
+          <p:cNvPr id="13" name="Rectangle 12">
+            <a:extLst>
+              <a:ext uri="{FF2B5EF4-FFF2-40B4-BE49-F238E27FC236}">
+                <a16:creationId xmlns:a16="http://schemas.microsoft.com/office/drawing/2014/main" id="{0F5BACFB-4C7B-44C9-BF9F-BCDC1718FC63}"/>
+              </a:ext>
+            </a:extLst>
+          </p:cNvPr>
+          <p:cNvSpPr/>
+          <p:nvPr/>
+        </p:nvSpPr>
+        <p:spPr>
+          <a:xfrm>
+            <a:off x="606425" y="3224213"/>
+            <a:ext cx="228599" cy="414337"/>
+          </a:xfrm>
+          <a:prstGeom prst="rect">
+            <a:avLst/>
+          </a:prstGeom>
+          <a:noFill/>
+          <a:ln w="19050">
+            <a:solidFill>
+              <a:srgbClr val="D4D4D4"/>
+            </a:solidFill>
+          </a:ln>
+        </p:spPr>
+        <p:style>
+          <a:lnRef idx="2">
+            <a:schemeClr val="accent1">
+              <a:shade val="50000"/>
+            </a:schemeClr>
+          </a:lnRef>
+          <a:fillRef idx="1">
+            <a:schemeClr val="accent1"/>
+          </a:fillRef>
+          <a:effectRef idx="0">
+            <a:schemeClr val="accent1"/>
+          </a:effectRef>
+          <a:fontRef idx="minor">
+            <a:schemeClr val="lt1"/>
+          </a:fontRef>
+        </p:style>
+        <p:txBody>
+          <a:bodyPr rtlCol="0" anchor="ctr"/>
+          <a:lstStyle/>
+          <a:p>
+            <a:pPr algn="ctr"/>
+            <a:endParaRPr lang="en-GB">
               <a:solidFill>
                 <a:srgbClr val="D4D4D4"/>
               </a:solidFill>
-            </a:ln>
-          </p:spPr>
-          <p:style>
-            <a:lnRef idx="1">
-              <a:schemeClr val="accent1"/>
-            </a:lnRef>
-            <a:fillRef idx="0">
-              <a:schemeClr val="accent1"/>
-            </a:fillRef>
-            <a:effectRef idx="0">
-              <a:schemeClr val="accent1"/>
-            </a:effectRef>
-            <a:fontRef idx="minor">
-              <a:schemeClr val="tx1"/>
-            </a:fontRef>
-          </p:style>
-        </p:cxnSp>
-        <p:sp>
-          <p:nvSpPr>
-            <p:cNvPr id="13" name="Rectangle 12">
-              <a:extLst>
-                <a:ext uri="{FF2B5EF4-FFF2-40B4-BE49-F238E27FC236}">
-                  <a16:creationId xmlns:a16="http://schemas.microsoft.com/office/drawing/2014/main" id="{0F5BACFB-4C7B-44C9-BF9F-BCDC1718FC63}"/>
-                </a:ext>
-              </a:extLst>
-            </p:cNvPr>
-            <p:cNvSpPr/>
-            <p:nvPr/>
-          </p:nvSpPr>
-          <p:spPr>
-            <a:xfrm>
-              <a:off x="606425" y="3224213"/>
-              <a:ext cx="228600" cy="414337"/>
-            </a:xfrm>
-            <a:prstGeom prst="rect">
-              <a:avLst/>
-            </a:prstGeom>
-            <a:noFill/>
-            <a:ln w="19050">
-              <a:solidFill>
-                <a:srgbClr val="D4D4D4"/>
-              </a:solidFill>
-            </a:ln>
-          </p:spPr>
-          <p:style>
-            <a:lnRef idx="2">
-              <a:schemeClr val="accent1">
-                <a:shade val="50000"/>
-              </a:schemeClr>
-            </a:lnRef>
-            <a:fillRef idx="1">
-              <a:schemeClr val="accent1"/>
-            </a:fillRef>
-            <a:effectRef idx="0">
-              <a:schemeClr val="accent1"/>
-            </a:effectRef>
-            <a:fontRef idx="minor">
-              <a:schemeClr val="lt1"/>
-            </a:fontRef>
-          </p:style>
-          <p:txBody>
-            <a:bodyPr rtlCol="0" anchor="ctr"/>
-            <a:lstStyle/>
-            <a:p>
-              <a:pPr algn="ctr"/>
-              <a:endParaRPr lang="en-GB"/>
-            </a:p>
-          </p:txBody>
-        </p:sp>
-      </p:grpSp>
+            </a:endParaRPr>
+          </a:p>
+        </p:txBody>
+      </p:sp>
       <p:sp>
         <p:nvSpPr>
           <p:cNvPr id="17" name="TextBox 16">
@@ -3557,7 +3553,7 @@
     </p:spTree>
     <p:extLst>
       <p:ext uri="{BB962C8B-B14F-4D97-AF65-F5344CB8AC3E}">
-        <p14:creationId xmlns:p14="http://schemas.microsoft.com/office/powerpoint/2010/main" val="1392096960"/>
+        <p14:creationId xmlns:p14="http://schemas.microsoft.com/office/powerpoint/2010/main" val="547603939"/>
       </p:ext>
     </p:extLst>
   </p:cSld>
@@ -3849,6 +3845,1197 @@
     <p:extLst>
       <p:ext uri="{BB962C8B-B14F-4D97-AF65-F5344CB8AC3E}">
         <p14:creationId xmlns:p14="http://schemas.microsoft.com/office/powerpoint/2010/main" val="2192810569"/>
+      </p:ext>
+    </p:extLst>
+  </p:cSld>
+  <p:clrMapOvr>
+    <a:masterClrMapping/>
+  </p:clrMapOvr>
+</p:sld>
+</file>
+
+<file path=ppt/slides/slide3.xml><?xml version="1.0" encoding="utf-8"?>
+<p:sld xmlns:a="http://schemas.openxmlformats.org/drawingml/2006/main" xmlns:r="http://schemas.openxmlformats.org/officeDocument/2006/relationships" xmlns:p="http://schemas.openxmlformats.org/presentationml/2006/main">
+  <p:cSld>
+    <p:spTree>
+      <p:nvGrpSpPr>
+        <p:cNvPr id="1" name=""/>
+        <p:cNvGrpSpPr/>
+        <p:nvPr/>
+      </p:nvGrpSpPr>
+      <p:grpSpPr>
+        <a:xfrm>
+          <a:off x="0" y="0"/>
+          <a:ext cx="0" cy="0"/>
+          <a:chOff x="0" y="0"/>
+          <a:chExt cx="0" cy="0"/>
+        </a:xfrm>
+      </p:grpSpPr>
+      <p:sp>
+        <p:nvSpPr>
+          <p:cNvPr id="5" name="Rectangle 4">
+            <a:extLst>
+              <a:ext uri="{FF2B5EF4-FFF2-40B4-BE49-F238E27FC236}">
+                <a16:creationId xmlns:a16="http://schemas.microsoft.com/office/drawing/2014/main" id="{0FE31E72-BFA6-4FDC-9AD5-FC3C54025DD7}"/>
+              </a:ext>
+            </a:extLst>
+          </p:cNvPr>
+          <p:cNvSpPr/>
+          <p:nvPr/>
+        </p:nvSpPr>
+        <p:spPr>
+          <a:xfrm>
+            <a:off x="606425" y="2960685"/>
+            <a:ext cx="3568698" cy="936625"/>
+          </a:xfrm>
+          <a:prstGeom prst="rect">
+            <a:avLst/>
+          </a:prstGeom>
+          <a:noFill/>
+          <a:ln>
+            <a:noFill/>
+          </a:ln>
+        </p:spPr>
+        <p:style>
+          <a:lnRef idx="2">
+            <a:schemeClr val="accent1">
+              <a:shade val="50000"/>
+            </a:schemeClr>
+          </a:lnRef>
+          <a:fillRef idx="1">
+            <a:schemeClr val="accent1"/>
+          </a:fillRef>
+          <a:effectRef idx="0">
+            <a:schemeClr val="accent1"/>
+          </a:effectRef>
+          <a:fontRef idx="minor">
+            <a:schemeClr val="lt1"/>
+          </a:fontRef>
+        </p:style>
+        <p:txBody>
+          <a:bodyPr rtlCol="0" anchor="ctr"/>
+          <a:lstStyle/>
+          <a:p>
+            <a:pPr algn="ctr"/>
+            <a:endParaRPr lang="en-GB">
+              <a:solidFill>
+                <a:srgbClr val="FF0000"/>
+              </a:solidFill>
+            </a:endParaRPr>
+          </a:p>
+        </p:txBody>
+      </p:sp>
+      <p:sp>
+        <p:nvSpPr>
+          <p:cNvPr id="10" name="Rectangle: Top Corners Rounded 9">
+            <a:extLst>
+              <a:ext uri="{FF2B5EF4-FFF2-40B4-BE49-F238E27FC236}">
+                <a16:creationId xmlns:a16="http://schemas.microsoft.com/office/drawing/2014/main" id="{2AB9AE14-FB16-47D5-9199-59F7C6F5FCF3}"/>
+              </a:ext>
+            </a:extLst>
+          </p:cNvPr>
+          <p:cNvSpPr/>
+          <p:nvPr/>
+        </p:nvSpPr>
+        <p:spPr>
+          <a:xfrm rot="5400000">
+            <a:off x="2036761" y="1758951"/>
+            <a:ext cx="936625" cy="3340099"/>
+          </a:xfrm>
+          <a:prstGeom prst="round2SameRect">
+            <a:avLst>
+              <a:gd name="adj1" fmla="val 42881"/>
+              <a:gd name="adj2" fmla="val 0"/>
+            </a:avLst>
+          </a:prstGeom>
+          <a:noFill/>
+          <a:ln w="19050">
+            <a:solidFill>
+              <a:srgbClr val="C80000"/>
+            </a:solidFill>
+          </a:ln>
+        </p:spPr>
+        <p:style>
+          <a:lnRef idx="2">
+            <a:schemeClr val="accent1">
+              <a:shade val="50000"/>
+            </a:schemeClr>
+          </a:lnRef>
+          <a:fillRef idx="1">
+            <a:schemeClr val="accent1"/>
+          </a:fillRef>
+          <a:effectRef idx="0">
+            <a:schemeClr val="accent1"/>
+          </a:effectRef>
+          <a:fontRef idx="minor">
+            <a:schemeClr val="lt1"/>
+          </a:fontRef>
+        </p:style>
+        <p:txBody>
+          <a:bodyPr rtlCol="0" anchor="ctr"/>
+          <a:lstStyle/>
+          <a:p>
+            <a:pPr algn="ctr"/>
+            <a:endParaRPr lang="en-GB" dirty="0">
+              <a:solidFill>
+                <a:srgbClr val="C80000"/>
+              </a:solidFill>
+            </a:endParaRPr>
+          </a:p>
+        </p:txBody>
+      </p:sp>
+      <p:cxnSp>
+        <p:nvCxnSpPr>
+          <p:cNvPr id="7" name="Straight Connector 6">
+            <a:extLst>
+              <a:ext uri="{FF2B5EF4-FFF2-40B4-BE49-F238E27FC236}">
+                <a16:creationId xmlns:a16="http://schemas.microsoft.com/office/drawing/2014/main" id="{0500769E-EFC8-4A0C-AC6E-CEBE5E869FB1}"/>
+              </a:ext>
+            </a:extLst>
+          </p:cNvPr>
+          <p:cNvCxnSpPr>
+            <a:cxnSpLocks/>
+          </p:cNvCxnSpPr>
+          <p:nvPr/>
+        </p:nvCxnSpPr>
+        <p:spPr>
+          <a:xfrm>
+            <a:off x="719137" y="2960688"/>
+            <a:ext cx="0" cy="936625"/>
+          </a:xfrm>
+          <a:prstGeom prst="line">
+            <a:avLst/>
+          </a:prstGeom>
+          <a:ln w="19050">
+            <a:solidFill>
+              <a:srgbClr val="C80000"/>
+            </a:solidFill>
+          </a:ln>
+        </p:spPr>
+        <p:style>
+          <a:lnRef idx="1">
+            <a:schemeClr val="accent1"/>
+          </a:lnRef>
+          <a:fillRef idx="0">
+            <a:schemeClr val="accent1"/>
+          </a:fillRef>
+          <a:effectRef idx="0">
+            <a:schemeClr val="accent1"/>
+          </a:effectRef>
+          <a:fontRef idx="minor">
+            <a:schemeClr val="tx1"/>
+          </a:fontRef>
+        </p:style>
+      </p:cxnSp>
+      <p:sp>
+        <p:nvSpPr>
+          <p:cNvPr id="13" name="Rectangle 12">
+            <a:extLst>
+              <a:ext uri="{FF2B5EF4-FFF2-40B4-BE49-F238E27FC236}">
+                <a16:creationId xmlns:a16="http://schemas.microsoft.com/office/drawing/2014/main" id="{0F5BACFB-4C7B-44C9-BF9F-BCDC1718FC63}"/>
+              </a:ext>
+            </a:extLst>
+          </p:cNvPr>
+          <p:cNvSpPr/>
+          <p:nvPr/>
+        </p:nvSpPr>
+        <p:spPr>
+          <a:xfrm>
+            <a:off x="719137" y="3224213"/>
+            <a:ext cx="115887" cy="414337"/>
+          </a:xfrm>
+          <a:prstGeom prst="rect">
+            <a:avLst/>
+          </a:prstGeom>
+          <a:noFill/>
+          <a:ln w="19050">
+            <a:solidFill>
+              <a:srgbClr val="C80000"/>
+            </a:solidFill>
+          </a:ln>
+        </p:spPr>
+        <p:style>
+          <a:lnRef idx="2">
+            <a:schemeClr val="accent1">
+              <a:shade val="50000"/>
+            </a:schemeClr>
+          </a:lnRef>
+          <a:fillRef idx="1">
+            <a:schemeClr val="accent1"/>
+          </a:fillRef>
+          <a:effectRef idx="0">
+            <a:schemeClr val="accent1"/>
+          </a:effectRef>
+          <a:fontRef idx="minor">
+            <a:schemeClr val="lt1"/>
+          </a:fontRef>
+        </p:style>
+        <p:txBody>
+          <a:bodyPr rtlCol="0" anchor="ctr"/>
+          <a:lstStyle/>
+          <a:p>
+            <a:pPr algn="ctr"/>
+            <a:endParaRPr lang="en-GB">
+              <a:solidFill>
+                <a:srgbClr val="C80000"/>
+              </a:solidFill>
+            </a:endParaRPr>
+          </a:p>
+        </p:txBody>
+      </p:sp>
+      <p:sp>
+        <p:nvSpPr>
+          <p:cNvPr id="17" name="TextBox 16">
+            <a:extLst>
+              <a:ext uri="{FF2B5EF4-FFF2-40B4-BE49-F238E27FC236}">
+                <a16:creationId xmlns:a16="http://schemas.microsoft.com/office/drawing/2014/main" id="{732A87AA-582E-4137-BA01-374DDC9ED3CD}"/>
+              </a:ext>
+            </a:extLst>
+          </p:cNvPr>
+          <p:cNvSpPr txBox="1"/>
+          <p:nvPr/>
+        </p:nvSpPr>
+        <p:spPr>
+          <a:xfrm>
+            <a:off x="835024" y="3136612"/>
+            <a:ext cx="3340099" cy="584775"/>
+          </a:xfrm>
+          <a:prstGeom prst="rect">
+            <a:avLst/>
+          </a:prstGeom>
+          <a:noFill/>
+        </p:spPr>
+        <p:txBody>
+          <a:bodyPr wrap="square" rtlCol="0">
+            <a:spAutoFit/>
+          </a:bodyPr>
+          <a:lstStyle/>
+          <a:p>
+            <a:r>
+              <a:rPr lang="en-GB" sz="3200" spc="300" dirty="0">
+                <a:solidFill>
+                  <a:srgbClr val="C80000"/>
+                </a:solidFill>
+                <a:latin typeface="Consolas" panose="020B0609020204030204" pitchFamily="49" charset="0"/>
+              </a:rPr>
+              <a:t>xandprojects</a:t>
+            </a:r>
+          </a:p>
+        </p:txBody>
+      </p:sp>
+    </p:spTree>
+    <p:extLst>
+      <p:ext uri="{BB962C8B-B14F-4D97-AF65-F5344CB8AC3E}">
+        <p14:creationId xmlns:p14="http://schemas.microsoft.com/office/powerpoint/2010/main" val="1675569844"/>
+      </p:ext>
+    </p:extLst>
+  </p:cSld>
+  <p:clrMapOvr>
+    <a:masterClrMapping/>
+  </p:clrMapOvr>
+</p:sld>
+</file>
+
+<file path=ppt/slides/slide4.xml><?xml version="1.0" encoding="utf-8"?>
+<p:sld xmlns:a="http://schemas.openxmlformats.org/drawingml/2006/main" xmlns:r="http://schemas.openxmlformats.org/officeDocument/2006/relationships" xmlns:p="http://schemas.openxmlformats.org/presentationml/2006/main">
+  <p:cSld>
+    <p:spTree>
+      <p:nvGrpSpPr>
+        <p:cNvPr id="1" name=""/>
+        <p:cNvGrpSpPr/>
+        <p:nvPr/>
+      </p:nvGrpSpPr>
+      <p:grpSpPr>
+        <a:xfrm>
+          <a:off x="0" y="0"/>
+          <a:ext cx="0" cy="0"/>
+          <a:chOff x="0" y="0"/>
+          <a:chExt cx="0" cy="0"/>
+        </a:xfrm>
+      </p:grpSpPr>
+      <p:sp>
+        <p:nvSpPr>
+          <p:cNvPr id="5" name="Rectangle 4">
+            <a:extLst>
+              <a:ext uri="{FF2B5EF4-FFF2-40B4-BE49-F238E27FC236}">
+                <a16:creationId xmlns:a16="http://schemas.microsoft.com/office/drawing/2014/main" id="{0FE31E72-BFA6-4FDC-9AD5-FC3C54025DD7}"/>
+              </a:ext>
+            </a:extLst>
+          </p:cNvPr>
+          <p:cNvSpPr/>
+          <p:nvPr/>
+        </p:nvSpPr>
+        <p:spPr>
+          <a:xfrm>
+            <a:off x="606425" y="2960685"/>
+            <a:ext cx="3568698" cy="936625"/>
+          </a:xfrm>
+          <a:prstGeom prst="rect">
+            <a:avLst/>
+          </a:prstGeom>
+          <a:noFill/>
+          <a:ln>
+            <a:noFill/>
+          </a:ln>
+        </p:spPr>
+        <p:style>
+          <a:lnRef idx="2">
+            <a:schemeClr val="accent1">
+              <a:shade val="50000"/>
+            </a:schemeClr>
+          </a:lnRef>
+          <a:fillRef idx="1">
+            <a:schemeClr val="accent1"/>
+          </a:fillRef>
+          <a:effectRef idx="0">
+            <a:schemeClr val="accent1"/>
+          </a:effectRef>
+          <a:fontRef idx="minor">
+            <a:schemeClr val="lt1"/>
+          </a:fontRef>
+        </p:style>
+        <p:txBody>
+          <a:bodyPr rtlCol="0" anchor="ctr"/>
+          <a:lstStyle/>
+          <a:p>
+            <a:pPr algn="ctr"/>
+            <a:endParaRPr lang="en-GB">
+              <a:solidFill>
+                <a:srgbClr val="FF0000"/>
+              </a:solidFill>
+            </a:endParaRPr>
+          </a:p>
+        </p:txBody>
+      </p:sp>
+      <p:grpSp>
+        <p:nvGrpSpPr>
+          <p:cNvPr id="2" name="Group 1">
+            <a:extLst>
+              <a:ext uri="{FF2B5EF4-FFF2-40B4-BE49-F238E27FC236}">
+                <a16:creationId xmlns:a16="http://schemas.microsoft.com/office/drawing/2014/main" id="{5415F249-DF0B-4B04-99DC-10979FC04E24}"/>
+              </a:ext>
+            </a:extLst>
+          </p:cNvPr>
+          <p:cNvGrpSpPr/>
+          <p:nvPr/>
+        </p:nvGrpSpPr>
+        <p:grpSpPr>
+          <a:xfrm>
+            <a:off x="719137" y="2960688"/>
+            <a:ext cx="3455986" cy="936625"/>
+            <a:chOff x="719137" y="2960688"/>
+            <a:chExt cx="3455986" cy="936625"/>
+          </a:xfrm>
+        </p:grpSpPr>
+        <p:sp>
+          <p:nvSpPr>
+            <p:cNvPr id="10" name="Rectangle: Top Corners Rounded 9">
+              <a:extLst>
+                <a:ext uri="{FF2B5EF4-FFF2-40B4-BE49-F238E27FC236}">
+                  <a16:creationId xmlns:a16="http://schemas.microsoft.com/office/drawing/2014/main" id="{2AB9AE14-FB16-47D5-9199-59F7C6F5FCF3}"/>
+                </a:ext>
+              </a:extLst>
+            </p:cNvPr>
+            <p:cNvSpPr/>
+            <p:nvPr/>
+          </p:nvSpPr>
+          <p:spPr>
+            <a:xfrm rot="5400000">
+              <a:off x="2036761" y="1758951"/>
+              <a:ext cx="936625" cy="3340099"/>
+            </a:xfrm>
+            <a:prstGeom prst="round2SameRect">
+              <a:avLst>
+                <a:gd name="adj1" fmla="val 42881"/>
+                <a:gd name="adj2" fmla="val 0"/>
+              </a:avLst>
+            </a:prstGeom>
+            <a:noFill/>
+            <a:ln w="19050">
+              <a:solidFill>
+                <a:srgbClr val="64C800"/>
+              </a:solidFill>
+            </a:ln>
+          </p:spPr>
+          <p:style>
+            <a:lnRef idx="2">
+              <a:schemeClr val="accent1">
+                <a:shade val="50000"/>
+              </a:schemeClr>
+            </a:lnRef>
+            <a:fillRef idx="1">
+              <a:schemeClr val="accent1"/>
+            </a:fillRef>
+            <a:effectRef idx="0">
+              <a:schemeClr val="accent1"/>
+            </a:effectRef>
+            <a:fontRef idx="minor">
+              <a:schemeClr val="lt1"/>
+            </a:fontRef>
+          </p:style>
+          <p:txBody>
+            <a:bodyPr rtlCol="0" anchor="ctr"/>
+            <a:lstStyle/>
+            <a:p>
+              <a:pPr algn="ctr"/>
+              <a:endParaRPr lang="en-GB" dirty="0">
+                <a:solidFill>
+                  <a:srgbClr val="C80000"/>
+                </a:solidFill>
+              </a:endParaRPr>
+            </a:p>
+          </p:txBody>
+        </p:sp>
+        <p:cxnSp>
+          <p:nvCxnSpPr>
+            <p:cNvPr id="7" name="Straight Connector 6">
+              <a:extLst>
+                <a:ext uri="{FF2B5EF4-FFF2-40B4-BE49-F238E27FC236}">
+                  <a16:creationId xmlns:a16="http://schemas.microsoft.com/office/drawing/2014/main" id="{0500769E-EFC8-4A0C-AC6E-CEBE5E869FB1}"/>
+                </a:ext>
+              </a:extLst>
+            </p:cNvPr>
+            <p:cNvCxnSpPr>
+              <a:cxnSpLocks/>
+            </p:cNvCxnSpPr>
+            <p:nvPr/>
+          </p:nvCxnSpPr>
+          <p:spPr>
+            <a:xfrm>
+              <a:off x="719137" y="2960688"/>
+              <a:ext cx="0" cy="936625"/>
+            </a:xfrm>
+            <a:prstGeom prst="line">
+              <a:avLst/>
+            </a:prstGeom>
+            <a:ln w="19050">
+              <a:solidFill>
+                <a:srgbClr val="64C800"/>
+              </a:solidFill>
+            </a:ln>
+          </p:spPr>
+          <p:style>
+            <a:lnRef idx="1">
+              <a:schemeClr val="accent1"/>
+            </a:lnRef>
+            <a:fillRef idx="0">
+              <a:schemeClr val="accent1"/>
+            </a:fillRef>
+            <a:effectRef idx="0">
+              <a:schemeClr val="accent1"/>
+            </a:effectRef>
+            <a:fontRef idx="minor">
+              <a:schemeClr val="tx1"/>
+            </a:fontRef>
+          </p:style>
+        </p:cxnSp>
+        <p:sp>
+          <p:nvSpPr>
+            <p:cNvPr id="13" name="Rectangle 12">
+              <a:extLst>
+                <a:ext uri="{FF2B5EF4-FFF2-40B4-BE49-F238E27FC236}">
+                  <a16:creationId xmlns:a16="http://schemas.microsoft.com/office/drawing/2014/main" id="{0F5BACFB-4C7B-44C9-BF9F-BCDC1718FC63}"/>
+                </a:ext>
+              </a:extLst>
+            </p:cNvPr>
+            <p:cNvSpPr/>
+            <p:nvPr/>
+          </p:nvSpPr>
+          <p:spPr>
+            <a:xfrm>
+              <a:off x="719137" y="3224213"/>
+              <a:ext cx="115887" cy="414337"/>
+            </a:xfrm>
+            <a:prstGeom prst="rect">
+              <a:avLst/>
+            </a:prstGeom>
+            <a:noFill/>
+            <a:ln w="19050">
+              <a:solidFill>
+                <a:srgbClr val="64C800"/>
+              </a:solidFill>
+            </a:ln>
+          </p:spPr>
+          <p:style>
+            <a:lnRef idx="2">
+              <a:schemeClr val="accent1">
+                <a:shade val="50000"/>
+              </a:schemeClr>
+            </a:lnRef>
+            <a:fillRef idx="1">
+              <a:schemeClr val="accent1"/>
+            </a:fillRef>
+            <a:effectRef idx="0">
+              <a:schemeClr val="accent1"/>
+            </a:effectRef>
+            <a:fontRef idx="minor">
+              <a:schemeClr val="lt1"/>
+            </a:fontRef>
+          </p:style>
+          <p:txBody>
+            <a:bodyPr rtlCol="0" anchor="ctr"/>
+            <a:lstStyle/>
+            <a:p>
+              <a:pPr algn="ctr"/>
+              <a:endParaRPr lang="en-GB">
+                <a:solidFill>
+                  <a:srgbClr val="C80000"/>
+                </a:solidFill>
+              </a:endParaRPr>
+            </a:p>
+          </p:txBody>
+        </p:sp>
+      </p:grpSp>
+      <p:sp>
+        <p:nvSpPr>
+          <p:cNvPr id="17" name="TextBox 16">
+            <a:extLst>
+              <a:ext uri="{FF2B5EF4-FFF2-40B4-BE49-F238E27FC236}">
+                <a16:creationId xmlns:a16="http://schemas.microsoft.com/office/drawing/2014/main" id="{732A87AA-582E-4137-BA01-374DDC9ED3CD}"/>
+              </a:ext>
+            </a:extLst>
+          </p:cNvPr>
+          <p:cNvSpPr txBox="1"/>
+          <p:nvPr/>
+        </p:nvSpPr>
+        <p:spPr>
+          <a:xfrm>
+            <a:off x="835024" y="3136612"/>
+            <a:ext cx="3340099" cy="584775"/>
+          </a:xfrm>
+          <a:prstGeom prst="rect">
+            <a:avLst/>
+          </a:prstGeom>
+          <a:noFill/>
+        </p:spPr>
+        <p:txBody>
+          <a:bodyPr wrap="square" rtlCol="0">
+            <a:spAutoFit/>
+          </a:bodyPr>
+          <a:lstStyle/>
+          <a:p>
+            <a:r>
+              <a:rPr lang="en-GB" sz="3200" spc="300" dirty="0">
+                <a:solidFill>
+                  <a:srgbClr val="64C800"/>
+                </a:solidFill>
+                <a:latin typeface="Consolas" panose="020B0609020204030204" pitchFamily="49" charset="0"/>
+              </a:rPr>
+              <a:t>xandprojects</a:t>
+            </a:r>
+          </a:p>
+        </p:txBody>
+      </p:sp>
+    </p:spTree>
+    <p:extLst>
+      <p:ext uri="{BB962C8B-B14F-4D97-AF65-F5344CB8AC3E}">
+        <p14:creationId xmlns:p14="http://schemas.microsoft.com/office/powerpoint/2010/main" val="1636285774"/>
+      </p:ext>
+    </p:extLst>
+  </p:cSld>
+  <p:clrMapOvr>
+    <a:masterClrMapping/>
+  </p:clrMapOvr>
+</p:sld>
+</file>
+
+<file path=ppt/slides/slide5.xml><?xml version="1.0" encoding="utf-8"?>
+<p:sld xmlns:a="http://schemas.openxmlformats.org/drawingml/2006/main" xmlns:r="http://schemas.openxmlformats.org/officeDocument/2006/relationships" xmlns:p="http://schemas.openxmlformats.org/presentationml/2006/main">
+  <p:cSld>
+    <p:spTree>
+      <p:nvGrpSpPr>
+        <p:cNvPr id="1" name=""/>
+        <p:cNvGrpSpPr/>
+        <p:nvPr/>
+      </p:nvGrpSpPr>
+      <p:grpSpPr>
+        <a:xfrm>
+          <a:off x="0" y="0"/>
+          <a:ext cx="0" cy="0"/>
+          <a:chOff x="0" y="0"/>
+          <a:chExt cx="0" cy="0"/>
+        </a:xfrm>
+      </p:grpSpPr>
+      <p:sp>
+        <p:nvSpPr>
+          <p:cNvPr id="5" name="Rectangle 4">
+            <a:extLst>
+              <a:ext uri="{FF2B5EF4-FFF2-40B4-BE49-F238E27FC236}">
+                <a16:creationId xmlns:a16="http://schemas.microsoft.com/office/drawing/2014/main" id="{0FE31E72-BFA6-4FDC-9AD5-FC3C54025DD7}"/>
+              </a:ext>
+            </a:extLst>
+          </p:cNvPr>
+          <p:cNvSpPr/>
+          <p:nvPr/>
+        </p:nvSpPr>
+        <p:spPr>
+          <a:xfrm>
+            <a:off x="606425" y="2960685"/>
+            <a:ext cx="3568698" cy="936625"/>
+          </a:xfrm>
+          <a:prstGeom prst="rect">
+            <a:avLst/>
+          </a:prstGeom>
+          <a:noFill/>
+          <a:ln>
+            <a:noFill/>
+          </a:ln>
+        </p:spPr>
+        <p:style>
+          <a:lnRef idx="2">
+            <a:schemeClr val="accent1">
+              <a:shade val="50000"/>
+            </a:schemeClr>
+          </a:lnRef>
+          <a:fillRef idx="1">
+            <a:schemeClr val="accent1"/>
+          </a:fillRef>
+          <a:effectRef idx="0">
+            <a:schemeClr val="accent1"/>
+          </a:effectRef>
+          <a:fontRef idx="minor">
+            <a:schemeClr val="lt1"/>
+          </a:fontRef>
+        </p:style>
+        <p:txBody>
+          <a:bodyPr rtlCol="0" anchor="ctr"/>
+          <a:lstStyle/>
+          <a:p>
+            <a:pPr algn="ctr"/>
+            <a:endParaRPr lang="en-GB">
+              <a:solidFill>
+                <a:srgbClr val="FF0000"/>
+              </a:solidFill>
+            </a:endParaRPr>
+          </a:p>
+        </p:txBody>
+      </p:sp>
+      <p:grpSp>
+        <p:nvGrpSpPr>
+          <p:cNvPr id="2" name="Group 1">
+            <a:extLst>
+              <a:ext uri="{FF2B5EF4-FFF2-40B4-BE49-F238E27FC236}">
+                <a16:creationId xmlns:a16="http://schemas.microsoft.com/office/drawing/2014/main" id="{5415F249-DF0B-4B04-99DC-10979FC04E24}"/>
+              </a:ext>
+            </a:extLst>
+          </p:cNvPr>
+          <p:cNvGrpSpPr/>
+          <p:nvPr/>
+        </p:nvGrpSpPr>
+        <p:grpSpPr>
+          <a:xfrm>
+            <a:off x="719137" y="2960688"/>
+            <a:ext cx="3455986" cy="936625"/>
+            <a:chOff x="719137" y="2960688"/>
+            <a:chExt cx="3455986" cy="936625"/>
+          </a:xfrm>
+        </p:grpSpPr>
+        <p:sp>
+          <p:nvSpPr>
+            <p:cNvPr id="10" name="Rectangle: Top Corners Rounded 9">
+              <a:extLst>
+                <a:ext uri="{FF2B5EF4-FFF2-40B4-BE49-F238E27FC236}">
+                  <a16:creationId xmlns:a16="http://schemas.microsoft.com/office/drawing/2014/main" id="{2AB9AE14-FB16-47D5-9199-59F7C6F5FCF3}"/>
+                </a:ext>
+              </a:extLst>
+            </p:cNvPr>
+            <p:cNvSpPr/>
+            <p:nvPr/>
+          </p:nvSpPr>
+          <p:spPr>
+            <a:xfrm rot="5400000">
+              <a:off x="2036761" y="1758951"/>
+              <a:ext cx="936625" cy="3340099"/>
+            </a:xfrm>
+            <a:prstGeom prst="round2SameRect">
+              <a:avLst>
+                <a:gd name="adj1" fmla="val 42881"/>
+                <a:gd name="adj2" fmla="val 0"/>
+              </a:avLst>
+            </a:prstGeom>
+            <a:noFill/>
+            <a:ln w="19050">
+              <a:solidFill>
+                <a:srgbClr val="4B00C8"/>
+              </a:solidFill>
+            </a:ln>
+          </p:spPr>
+          <p:style>
+            <a:lnRef idx="2">
+              <a:schemeClr val="accent1">
+                <a:shade val="50000"/>
+              </a:schemeClr>
+            </a:lnRef>
+            <a:fillRef idx="1">
+              <a:schemeClr val="accent1"/>
+            </a:fillRef>
+            <a:effectRef idx="0">
+              <a:schemeClr val="accent1"/>
+            </a:effectRef>
+            <a:fontRef idx="minor">
+              <a:schemeClr val="lt1"/>
+            </a:fontRef>
+          </p:style>
+          <p:txBody>
+            <a:bodyPr rtlCol="0" anchor="ctr"/>
+            <a:lstStyle/>
+            <a:p>
+              <a:pPr algn="ctr"/>
+              <a:endParaRPr lang="en-GB" dirty="0">
+                <a:solidFill>
+                  <a:srgbClr val="C80000"/>
+                </a:solidFill>
+              </a:endParaRPr>
+            </a:p>
+          </p:txBody>
+        </p:sp>
+        <p:cxnSp>
+          <p:nvCxnSpPr>
+            <p:cNvPr id="7" name="Straight Connector 6">
+              <a:extLst>
+                <a:ext uri="{FF2B5EF4-FFF2-40B4-BE49-F238E27FC236}">
+                  <a16:creationId xmlns:a16="http://schemas.microsoft.com/office/drawing/2014/main" id="{0500769E-EFC8-4A0C-AC6E-CEBE5E869FB1}"/>
+                </a:ext>
+              </a:extLst>
+            </p:cNvPr>
+            <p:cNvCxnSpPr>
+              <a:cxnSpLocks/>
+            </p:cNvCxnSpPr>
+            <p:nvPr/>
+          </p:nvCxnSpPr>
+          <p:spPr>
+            <a:xfrm>
+              <a:off x="719137" y="2960688"/>
+              <a:ext cx="0" cy="936625"/>
+            </a:xfrm>
+            <a:prstGeom prst="line">
+              <a:avLst/>
+            </a:prstGeom>
+            <a:ln w="19050">
+              <a:solidFill>
+                <a:srgbClr val="4B00C8"/>
+              </a:solidFill>
+            </a:ln>
+          </p:spPr>
+          <p:style>
+            <a:lnRef idx="1">
+              <a:schemeClr val="accent1"/>
+            </a:lnRef>
+            <a:fillRef idx="0">
+              <a:schemeClr val="accent1"/>
+            </a:fillRef>
+            <a:effectRef idx="0">
+              <a:schemeClr val="accent1"/>
+            </a:effectRef>
+            <a:fontRef idx="minor">
+              <a:schemeClr val="tx1"/>
+            </a:fontRef>
+          </p:style>
+        </p:cxnSp>
+        <p:sp>
+          <p:nvSpPr>
+            <p:cNvPr id="13" name="Rectangle 12">
+              <a:extLst>
+                <a:ext uri="{FF2B5EF4-FFF2-40B4-BE49-F238E27FC236}">
+                  <a16:creationId xmlns:a16="http://schemas.microsoft.com/office/drawing/2014/main" id="{0F5BACFB-4C7B-44C9-BF9F-BCDC1718FC63}"/>
+                </a:ext>
+              </a:extLst>
+            </p:cNvPr>
+            <p:cNvSpPr/>
+            <p:nvPr/>
+          </p:nvSpPr>
+          <p:spPr>
+            <a:xfrm>
+              <a:off x="719137" y="3224213"/>
+              <a:ext cx="115887" cy="414337"/>
+            </a:xfrm>
+            <a:prstGeom prst="rect">
+              <a:avLst/>
+            </a:prstGeom>
+            <a:noFill/>
+            <a:ln w="19050">
+              <a:solidFill>
+                <a:srgbClr val="4B00C8"/>
+              </a:solidFill>
+            </a:ln>
+          </p:spPr>
+          <p:style>
+            <a:lnRef idx="2">
+              <a:schemeClr val="accent1">
+                <a:shade val="50000"/>
+              </a:schemeClr>
+            </a:lnRef>
+            <a:fillRef idx="1">
+              <a:schemeClr val="accent1"/>
+            </a:fillRef>
+            <a:effectRef idx="0">
+              <a:schemeClr val="accent1"/>
+            </a:effectRef>
+            <a:fontRef idx="minor">
+              <a:schemeClr val="lt1"/>
+            </a:fontRef>
+          </p:style>
+          <p:txBody>
+            <a:bodyPr rtlCol="0" anchor="ctr"/>
+            <a:lstStyle/>
+            <a:p>
+              <a:pPr algn="ctr"/>
+              <a:endParaRPr lang="en-GB">
+                <a:solidFill>
+                  <a:srgbClr val="C80000"/>
+                </a:solidFill>
+              </a:endParaRPr>
+            </a:p>
+          </p:txBody>
+        </p:sp>
+      </p:grpSp>
+      <p:sp>
+        <p:nvSpPr>
+          <p:cNvPr id="17" name="TextBox 16">
+            <a:extLst>
+              <a:ext uri="{FF2B5EF4-FFF2-40B4-BE49-F238E27FC236}">
+                <a16:creationId xmlns:a16="http://schemas.microsoft.com/office/drawing/2014/main" id="{732A87AA-582E-4137-BA01-374DDC9ED3CD}"/>
+              </a:ext>
+            </a:extLst>
+          </p:cNvPr>
+          <p:cNvSpPr txBox="1"/>
+          <p:nvPr/>
+        </p:nvSpPr>
+        <p:spPr>
+          <a:xfrm>
+            <a:off x="835024" y="3136612"/>
+            <a:ext cx="3340099" cy="584775"/>
+          </a:xfrm>
+          <a:prstGeom prst="rect">
+            <a:avLst/>
+          </a:prstGeom>
+          <a:noFill/>
+        </p:spPr>
+        <p:txBody>
+          <a:bodyPr wrap="square" rtlCol="0">
+            <a:spAutoFit/>
+          </a:bodyPr>
+          <a:lstStyle/>
+          <a:p>
+            <a:r>
+              <a:rPr lang="en-GB" sz="3200" spc="300" dirty="0">
+                <a:solidFill>
+                  <a:srgbClr val="4B00C8"/>
+                </a:solidFill>
+                <a:latin typeface="Consolas" panose="020B0609020204030204" pitchFamily="49" charset="0"/>
+              </a:rPr>
+              <a:t>xandprojects</a:t>
+            </a:r>
+          </a:p>
+        </p:txBody>
+      </p:sp>
+    </p:spTree>
+    <p:extLst>
+      <p:ext uri="{BB962C8B-B14F-4D97-AF65-F5344CB8AC3E}">
+        <p14:creationId xmlns:p14="http://schemas.microsoft.com/office/powerpoint/2010/main" val="1286414984"/>
+      </p:ext>
+    </p:extLst>
+  </p:cSld>
+  <p:clrMapOvr>
+    <a:masterClrMapping/>
+  </p:clrMapOvr>
+</p:sld>
+</file>
+
+<file path=ppt/slides/slide6.xml><?xml version="1.0" encoding="utf-8"?>
+<p:sld xmlns:a="http://schemas.openxmlformats.org/drawingml/2006/main" xmlns:r="http://schemas.openxmlformats.org/officeDocument/2006/relationships" xmlns:p="http://schemas.openxmlformats.org/presentationml/2006/main">
+  <p:cSld>
+    <p:spTree>
+      <p:nvGrpSpPr>
+        <p:cNvPr id="1" name=""/>
+        <p:cNvGrpSpPr/>
+        <p:nvPr/>
+      </p:nvGrpSpPr>
+      <p:grpSpPr>
+        <a:xfrm>
+          <a:off x="0" y="0"/>
+          <a:ext cx="0" cy="0"/>
+          <a:chOff x="0" y="0"/>
+          <a:chExt cx="0" cy="0"/>
+        </a:xfrm>
+      </p:grpSpPr>
+      <p:sp>
+        <p:nvSpPr>
+          <p:cNvPr id="5" name="Rectangle 4">
+            <a:extLst>
+              <a:ext uri="{FF2B5EF4-FFF2-40B4-BE49-F238E27FC236}">
+                <a16:creationId xmlns:a16="http://schemas.microsoft.com/office/drawing/2014/main" id="{0FE31E72-BFA6-4FDC-9AD5-FC3C54025DD7}"/>
+              </a:ext>
+            </a:extLst>
+          </p:cNvPr>
+          <p:cNvSpPr/>
+          <p:nvPr/>
+        </p:nvSpPr>
+        <p:spPr>
+          <a:xfrm>
+            <a:off x="606425" y="2960685"/>
+            <a:ext cx="3568698" cy="936625"/>
+          </a:xfrm>
+          <a:prstGeom prst="rect">
+            <a:avLst/>
+          </a:prstGeom>
+          <a:noFill/>
+          <a:ln>
+            <a:noFill/>
+          </a:ln>
+        </p:spPr>
+        <p:style>
+          <a:lnRef idx="2">
+            <a:schemeClr val="accent1">
+              <a:shade val="50000"/>
+            </a:schemeClr>
+          </a:lnRef>
+          <a:fillRef idx="1">
+            <a:schemeClr val="accent1"/>
+          </a:fillRef>
+          <a:effectRef idx="0">
+            <a:schemeClr val="accent1"/>
+          </a:effectRef>
+          <a:fontRef idx="minor">
+            <a:schemeClr val="lt1"/>
+          </a:fontRef>
+        </p:style>
+        <p:txBody>
+          <a:bodyPr rtlCol="0" anchor="ctr"/>
+          <a:lstStyle/>
+          <a:p>
+            <a:pPr algn="ctr"/>
+            <a:endParaRPr lang="en-GB">
+              <a:solidFill>
+                <a:srgbClr val="FF0000"/>
+              </a:solidFill>
+            </a:endParaRPr>
+          </a:p>
+        </p:txBody>
+      </p:sp>
+      <p:grpSp>
+        <p:nvGrpSpPr>
+          <p:cNvPr id="2" name="Group 1">
+            <a:extLst>
+              <a:ext uri="{FF2B5EF4-FFF2-40B4-BE49-F238E27FC236}">
+                <a16:creationId xmlns:a16="http://schemas.microsoft.com/office/drawing/2014/main" id="{5415F249-DF0B-4B04-99DC-10979FC04E24}"/>
+              </a:ext>
+            </a:extLst>
+          </p:cNvPr>
+          <p:cNvGrpSpPr/>
+          <p:nvPr/>
+        </p:nvGrpSpPr>
+        <p:grpSpPr>
+          <a:xfrm>
+            <a:off x="719137" y="2960688"/>
+            <a:ext cx="3455986" cy="936625"/>
+            <a:chOff x="719137" y="2960688"/>
+            <a:chExt cx="3455986" cy="936625"/>
+          </a:xfrm>
+        </p:grpSpPr>
+        <p:sp>
+          <p:nvSpPr>
+            <p:cNvPr id="10" name="Rectangle: Top Corners Rounded 9">
+              <a:extLst>
+                <a:ext uri="{FF2B5EF4-FFF2-40B4-BE49-F238E27FC236}">
+                  <a16:creationId xmlns:a16="http://schemas.microsoft.com/office/drawing/2014/main" id="{2AB9AE14-FB16-47D5-9199-59F7C6F5FCF3}"/>
+                </a:ext>
+              </a:extLst>
+            </p:cNvPr>
+            <p:cNvSpPr/>
+            <p:nvPr/>
+          </p:nvSpPr>
+          <p:spPr>
+            <a:xfrm rot="5400000">
+              <a:off x="2036761" y="1758951"/>
+              <a:ext cx="936625" cy="3340099"/>
+            </a:xfrm>
+            <a:prstGeom prst="round2SameRect">
+              <a:avLst>
+                <a:gd name="adj1" fmla="val 42881"/>
+                <a:gd name="adj2" fmla="val 0"/>
+              </a:avLst>
+            </a:prstGeom>
+            <a:noFill/>
+            <a:ln w="19050">
+              <a:solidFill>
+                <a:srgbClr val="0032FF"/>
+              </a:solidFill>
+            </a:ln>
+          </p:spPr>
+          <p:style>
+            <a:lnRef idx="2">
+              <a:schemeClr val="accent1">
+                <a:shade val="50000"/>
+              </a:schemeClr>
+            </a:lnRef>
+            <a:fillRef idx="1">
+              <a:schemeClr val="accent1"/>
+            </a:fillRef>
+            <a:effectRef idx="0">
+              <a:schemeClr val="accent1"/>
+            </a:effectRef>
+            <a:fontRef idx="minor">
+              <a:schemeClr val="lt1"/>
+            </a:fontRef>
+          </p:style>
+          <p:txBody>
+            <a:bodyPr rtlCol="0" anchor="ctr"/>
+            <a:lstStyle/>
+            <a:p>
+              <a:pPr algn="ctr"/>
+              <a:endParaRPr lang="en-GB" dirty="0">
+                <a:solidFill>
+                  <a:srgbClr val="C80000"/>
+                </a:solidFill>
+              </a:endParaRPr>
+            </a:p>
+          </p:txBody>
+        </p:sp>
+        <p:cxnSp>
+          <p:nvCxnSpPr>
+            <p:cNvPr id="7" name="Straight Connector 6">
+              <a:extLst>
+                <a:ext uri="{FF2B5EF4-FFF2-40B4-BE49-F238E27FC236}">
+                  <a16:creationId xmlns:a16="http://schemas.microsoft.com/office/drawing/2014/main" id="{0500769E-EFC8-4A0C-AC6E-CEBE5E869FB1}"/>
+                </a:ext>
+              </a:extLst>
+            </p:cNvPr>
+            <p:cNvCxnSpPr>
+              <a:cxnSpLocks/>
+            </p:cNvCxnSpPr>
+            <p:nvPr/>
+          </p:nvCxnSpPr>
+          <p:spPr>
+            <a:xfrm>
+              <a:off x="719137" y="2960688"/>
+              <a:ext cx="0" cy="936625"/>
+            </a:xfrm>
+            <a:prstGeom prst="line">
+              <a:avLst/>
+            </a:prstGeom>
+            <a:ln w="19050">
+              <a:solidFill>
+                <a:srgbClr val="0032FF"/>
+              </a:solidFill>
+            </a:ln>
+          </p:spPr>
+          <p:style>
+            <a:lnRef idx="1">
+              <a:schemeClr val="accent1"/>
+            </a:lnRef>
+            <a:fillRef idx="0">
+              <a:schemeClr val="accent1"/>
+            </a:fillRef>
+            <a:effectRef idx="0">
+              <a:schemeClr val="accent1"/>
+            </a:effectRef>
+            <a:fontRef idx="minor">
+              <a:schemeClr val="tx1"/>
+            </a:fontRef>
+          </p:style>
+        </p:cxnSp>
+        <p:sp>
+          <p:nvSpPr>
+            <p:cNvPr id="13" name="Rectangle 12">
+              <a:extLst>
+                <a:ext uri="{FF2B5EF4-FFF2-40B4-BE49-F238E27FC236}">
+                  <a16:creationId xmlns:a16="http://schemas.microsoft.com/office/drawing/2014/main" id="{0F5BACFB-4C7B-44C9-BF9F-BCDC1718FC63}"/>
+                </a:ext>
+              </a:extLst>
+            </p:cNvPr>
+            <p:cNvSpPr/>
+            <p:nvPr/>
+          </p:nvSpPr>
+          <p:spPr>
+            <a:xfrm>
+              <a:off x="719137" y="3224213"/>
+              <a:ext cx="115887" cy="414337"/>
+            </a:xfrm>
+            <a:prstGeom prst="rect">
+              <a:avLst/>
+            </a:prstGeom>
+            <a:noFill/>
+            <a:ln w="19050">
+              <a:solidFill>
+                <a:srgbClr val="0032FF"/>
+              </a:solidFill>
+            </a:ln>
+          </p:spPr>
+          <p:style>
+            <a:lnRef idx="2">
+              <a:schemeClr val="accent1">
+                <a:shade val="50000"/>
+              </a:schemeClr>
+            </a:lnRef>
+            <a:fillRef idx="1">
+              <a:schemeClr val="accent1"/>
+            </a:fillRef>
+            <a:effectRef idx="0">
+              <a:schemeClr val="accent1"/>
+            </a:effectRef>
+            <a:fontRef idx="minor">
+              <a:schemeClr val="lt1"/>
+            </a:fontRef>
+          </p:style>
+          <p:txBody>
+            <a:bodyPr rtlCol="0" anchor="ctr"/>
+            <a:lstStyle/>
+            <a:p>
+              <a:pPr algn="ctr"/>
+              <a:endParaRPr lang="en-GB">
+                <a:solidFill>
+                  <a:srgbClr val="C80000"/>
+                </a:solidFill>
+              </a:endParaRPr>
+            </a:p>
+          </p:txBody>
+        </p:sp>
+      </p:grpSp>
+      <p:sp>
+        <p:nvSpPr>
+          <p:cNvPr id="17" name="TextBox 16">
+            <a:extLst>
+              <a:ext uri="{FF2B5EF4-FFF2-40B4-BE49-F238E27FC236}">
+                <a16:creationId xmlns:a16="http://schemas.microsoft.com/office/drawing/2014/main" id="{732A87AA-582E-4137-BA01-374DDC9ED3CD}"/>
+              </a:ext>
+            </a:extLst>
+          </p:cNvPr>
+          <p:cNvSpPr txBox="1"/>
+          <p:nvPr/>
+        </p:nvSpPr>
+        <p:spPr>
+          <a:xfrm>
+            <a:off x="835024" y="3136612"/>
+            <a:ext cx="3340099" cy="584775"/>
+          </a:xfrm>
+          <a:prstGeom prst="rect">
+            <a:avLst/>
+          </a:prstGeom>
+          <a:noFill/>
+        </p:spPr>
+        <p:txBody>
+          <a:bodyPr wrap="square" rtlCol="0">
+            <a:spAutoFit/>
+          </a:bodyPr>
+          <a:lstStyle/>
+          <a:p>
+            <a:r>
+              <a:rPr lang="en-GB" sz="3200" spc="300" dirty="0">
+                <a:solidFill>
+                  <a:srgbClr val="0032FF"/>
+                </a:solidFill>
+                <a:latin typeface="Consolas" panose="020B0609020204030204" pitchFamily="49" charset="0"/>
+              </a:rPr>
+              <a:t>xandprojects</a:t>
+            </a:r>
+          </a:p>
+        </p:txBody>
+      </p:sp>
+    </p:spTree>
+    <p:extLst>
+      <p:ext uri="{BB962C8B-B14F-4D97-AF65-F5344CB8AC3E}">
+        <p14:creationId xmlns:p14="http://schemas.microsoft.com/office/powerpoint/2010/main" val="1756667155"/>
       </p:ext>
     </p:extLst>
   </p:cSld>

--- a/logo.pptx
+++ b/logo.pptx
@@ -10,7 +10,9 @@
     <p:sldId id="259" r:id="rId4"/>
     <p:sldId id="260" r:id="rId5"/>
     <p:sldId id="261" r:id="rId6"/>
-    <p:sldId id="262" r:id="rId7"/>
+    <p:sldId id="264" r:id="rId7"/>
+    <p:sldId id="262" r:id="rId8"/>
+    <p:sldId id="265" r:id="rId9"/>
   </p:sldIdLst>
   <p:sldSz cx="12192000" cy="6858000"/>
   <p:notesSz cx="6858000" cy="9144000"/>
@@ -266,7 +268,7 @@
           <a:p>
             <a:fld id="{A6BF78BB-AAE9-44BC-ACF1-74B5BCF9DDA9}" type="datetimeFigureOut">
               <a:rPr lang="en-GB" smtClean="0"/>
-              <a:t>27/07/2021</a:t>
+              <a:t>18/08/2021</a:t>
             </a:fld>
             <a:endParaRPr lang="en-GB"/>
           </a:p>
@@ -466,7 +468,7 @@
           <a:p>
             <a:fld id="{A6BF78BB-AAE9-44BC-ACF1-74B5BCF9DDA9}" type="datetimeFigureOut">
               <a:rPr lang="en-GB" smtClean="0"/>
-              <a:t>27/07/2021</a:t>
+              <a:t>18/08/2021</a:t>
             </a:fld>
             <a:endParaRPr lang="en-GB"/>
           </a:p>
@@ -676,7 +678,7 @@
           <a:p>
             <a:fld id="{A6BF78BB-AAE9-44BC-ACF1-74B5BCF9DDA9}" type="datetimeFigureOut">
               <a:rPr lang="en-GB" smtClean="0"/>
-              <a:t>27/07/2021</a:t>
+              <a:t>18/08/2021</a:t>
             </a:fld>
             <a:endParaRPr lang="en-GB"/>
           </a:p>
@@ -876,7 +878,7 @@
           <a:p>
             <a:fld id="{A6BF78BB-AAE9-44BC-ACF1-74B5BCF9DDA9}" type="datetimeFigureOut">
               <a:rPr lang="en-GB" smtClean="0"/>
-              <a:t>27/07/2021</a:t>
+              <a:t>18/08/2021</a:t>
             </a:fld>
             <a:endParaRPr lang="en-GB"/>
           </a:p>
@@ -1152,7 +1154,7 @@
           <a:p>
             <a:fld id="{A6BF78BB-AAE9-44BC-ACF1-74B5BCF9DDA9}" type="datetimeFigureOut">
               <a:rPr lang="en-GB" smtClean="0"/>
-              <a:t>27/07/2021</a:t>
+              <a:t>18/08/2021</a:t>
             </a:fld>
             <a:endParaRPr lang="en-GB"/>
           </a:p>
@@ -1420,7 +1422,7 @@
           <a:p>
             <a:fld id="{A6BF78BB-AAE9-44BC-ACF1-74B5BCF9DDA9}" type="datetimeFigureOut">
               <a:rPr lang="en-GB" smtClean="0"/>
-              <a:t>27/07/2021</a:t>
+              <a:t>18/08/2021</a:t>
             </a:fld>
             <a:endParaRPr lang="en-GB"/>
           </a:p>
@@ -1835,7 +1837,7 @@
           <a:p>
             <a:fld id="{A6BF78BB-AAE9-44BC-ACF1-74B5BCF9DDA9}" type="datetimeFigureOut">
               <a:rPr lang="en-GB" smtClean="0"/>
-              <a:t>27/07/2021</a:t>
+              <a:t>18/08/2021</a:t>
             </a:fld>
             <a:endParaRPr lang="en-GB"/>
           </a:p>
@@ -1977,7 +1979,7 @@
           <a:p>
             <a:fld id="{A6BF78BB-AAE9-44BC-ACF1-74B5BCF9DDA9}" type="datetimeFigureOut">
               <a:rPr lang="en-GB" smtClean="0"/>
-              <a:t>27/07/2021</a:t>
+              <a:t>18/08/2021</a:t>
             </a:fld>
             <a:endParaRPr lang="en-GB"/>
           </a:p>
@@ -2090,7 +2092,7 @@
           <a:p>
             <a:fld id="{A6BF78BB-AAE9-44BC-ACF1-74B5BCF9DDA9}" type="datetimeFigureOut">
               <a:rPr lang="en-GB" smtClean="0"/>
-              <a:t>27/07/2021</a:t>
+              <a:t>18/08/2021</a:t>
             </a:fld>
             <a:endParaRPr lang="en-GB"/>
           </a:p>
@@ -2403,7 +2405,7 @@
           <a:p>
             <a:fld id="{A6BF78BB-AAE9-44BC-ACF1-74B5BCF9DDA9}" type="datetimeFigureOut">
               <a:rPr lang="en-GB" smtClean="0"/>
-              <a:t>27/07/2021</a:t>
+              <a:t>18/08/2021</a:t>
             </a:fld>
             <a:endParaRPr lang="en-GB"/>
           </a:p>
@@ -2692,7 +2694,7 @@
           <a:p>
             <a:fld id="{A6BF78BB-AAE9-44BC-ACF1-74B5BCF9DDA9}" type="datetimeFigureOut">
               <a:rPr lang="en-GB" smtClean="0"/>
-              <a:t>27/07/2021</a:t>
+              <a:t>18/08/2021</a:t>
             </a:fld>
             <a:endParaRPr lang="en-GB"/>
           </a:p>
@@ -2935,7 +2937,7 @@
           <a:p>
             <a:fld id="{A6BF78BB-AAE9-44BC-ACF1-74B5BCF9DDA9}" type="datetimeFigureOut">
               <a:rPr lang="en-GB" smtClean="0"/>
-              <a:t>27/07/2021</a:t>
+              <a:t>18/08/2021</a:t>
             </a:fld>
             <a:endParaRPr lang="en-GB"/>
           </a:p>
@@ -4859,6 +4861,309 @@
             <a:noFill/>
             <a:ln w="19050">
               <a:solidFill>
+                <a:srgbClr val="6600FF"/>
+              </a:solidFill>
+            </a:ln>
+          </p:spPr>
+          <p:style>
+            <a:lnRef idx="2">
+              <a:schemeClr val="accent1">
+                <a:shade val="50000"/>
+              </a:schemeClr>
+            </a:lnRef>
+            <a:fillRef idx="1">
+              <a:schemeClr val="accent1"/>
+            </a:fillRef>
+            <a:effectRef idx="0">
+              <a:schemeClr val="accent1"/>
+            </a:effectRef>
+            <a:fontRef idx="minor">
+              <a:schemeClr val="lt1"/>
+            </a:fontRef>
+          </p:style>
+          <p:txBody>
+            <a:bodyPr rtlCol="0" anchor="ctr"/>
+            <a:lstStyle/>
+            <a:p>
+              <a:pPr algn="ctr"/>
+              <a:endParaRPr lang="en-GB" dirty="0">
+                <a:solidFill>
+                  <a:srgbClr val="C80000"/>
+                </a:solidFill>
+              </a:endParaRPr>
+            </a:p>
+          </p:txBody>
+        </p:sp>
+        <p:cxnSp>
+          <p:nvCxnSpPr>
+            <p:cNvPr id="7" name="Straight Connector 6">
+              <a:extLst>
+                <a:ext uri="{FF2B5EF4-FFF2-40B4-BE49-F238E27FC236}">
+                  <a16:creationId xmlns:a16="http://schemas.microsoft.com/office/drawing/2014/main" id="{0500769E-EFC8-4A0C-AC6E-CEBE5E869FB1}"/>
+                </a:ext>
+              </a:extLst>
+            </p:cNvPr>
+            <p:cNvCxnSpPr>
+              <a:cxnSpLocks/>
+            </p:cNvCxnSpPr>
+            <p:nvPr/>
+          </p:nvCxnSpPr>
+          <p:spPr>
+            <a:xfrm>
+              <a:off x="719137" y="2960688"/>
+              <a:ext cx="0" cy="936625"/>
+            </a:xfrm>
+            <a:prstGeom prst="line">
+              <a:avLst/>
+            </a:prstGeom>
+            <a:ln w="19050">
+              <a:solidFill>
+                <a:srgbClr val="6600FF"/>
+              </a:solidFill>
+            </a:ln>
+          </p:spPr>
+          <p:style>
+            <a:lnRef idx="1">
+              <a:schemeClr val="accent1"/>
+            </a:lnRef>
+            <a:fillRef idx="0">
+              <a:schemeClr val="accent1"/>
+            </a:fillRef>
+            <a:effectRef idx="0">
+              <a:schemeClr val="accent1"/>
+            </a:effectRef>
+            <a:fontRef idx="minor">
+              <a:schemeClr val="tx1"/>
+            </a:fontRef>
+          </p:style>
+        </p:cxnSp>
+        <p:sp>
+          <p:nvSpPr>
+            <p:cNvPr id="13" name="Rectangle 12">
+              <a:extLst>
+                <a:ext uri="{FF2B5EF4-FFF2-40B4-BE49-F238E27FC236}">
+                  <a16:creationId xmlns:a16="http://schemas.microsoft.com/office/drawing/2014/main" id="{0F5BACFB-4C7B-44C9-BF9F-BCDC1718FC63}"/>
+                </a:ext>
+              </a:extLst>
+            </p:cNvPr>
+            <p:cNvSpPr/>
+            <p:nvPr/>
+          </p:nvSpPr>
+          <p:spPr>
+            <a:xfrm>
+              <a:off x="719137" y="3224213"/>
+              <a:ext cx="115887" cy="414337"/>
+            </a:xfrm>
+            <a:prstGeom prst="rect">
+              <a:avLst/>
+            </a:prstGeom>
+            <a:noFill/>
+            <a:ln w="19050">
+              <a:solidFill>
+                <a:srgbClr val="6600FF"/>
+              </a:solidFill>
+            </a:ln>
+          </p:spPr>
+          <p:style>
+            <a:lnRef idx="2">
+              <a:schemeClr val="accent1">
+                <a:shade val="50000"/>
+              </a:schemeClr>
+            </a:lnRef>
+            <a:fillRef idx="1">
+              <a:schemeClr val="accent1"/>
+            </a:fillRef>
+            <a:effectRef idx="0">
+              <a:schemeClr val="accent1"/>
+            </a:effectRef>
+            <a:fontRef idx="minor">
+              <a:schemeClr val="lt1"/>
+            </a:fontRef>
+          </p:style>
+          <p:txBody>
+            <a:bodyPr rtlCol="0" anchor="ctr"/>
+            <a:lstStyle/>
+            <a:p>
+              <a:pPr algn="ctr"/>
+              <a:endParaRPr lang="en-GB">
+                <a:solidFill>
+                  <a:srgbClr val="C80000"/>
+                </a:solidFill>
+              </a:endParaRPr>
+            </a:p>
+          </p:txBody>
+        </p:sp>
+      </p:grpSp>
+      <p:sp>
+        <p:nvSpPr>
+          <p:cNvPr id="17" name="TextBox 16">
+            <a:extLst>
+              <a:ext uri="{FF2B5EF4-FFF2-40B4-BE49-F238E27FC236}">
+                <a16:creationId xmlns:a16="http://schemas.microsoft.com/office/drawing/2014/main" id="{732A87AA-582E-4137-BA01-374DDC9ED3CD}"/>
+              </a:ext>
+            </a:extLst>
+          </p:cNvPr>
+          <p:cNvSpPr txBox="1"/>
+          <p:nvPr/>
+        </p:nvSpPr>
+        <p:spPr>
+          <a:xfrm>
+            <a:off x="835024" y="3136612"/>
+            <a:ext cx="3340099" cy="584775"/>
+          </a:xfrm>
+          <a:prstGeom prst="rect">
+            <a:avLst/>
+          </a:prstGeom>
+          <a:noFill/>
+        </p:spPr>
+        <p:txBody>
+          <a:bodyPr wrap="square" rtlCol="0">
+            <a:spAutoFit/>
+          </a:bodyPr>
+          <a:lstStyle/>
+          <a:p>
+            <a:r>
+              <a:rPr lang="en-GB" sz="3200" spc="300" dirty="0">
+                <a:solidFill>
+                  <a:srgbClr val="6600FF"/>
+                </a:solidFill>
+                <a:latin typeface="Consolas" panose="020B0609020204030204" pitchFamily="49" charset="0"/>
+              </a:rPr>
+              <a:t>xandprojects</a:t>
+            </a:r>
+          </a:p>
+        </p:txBody>
+      </p:sp>
+    </p:spTree>
+    <p:extLst>
+      <p:ext uri="{BB962C8B-B14F-4D97-AF65-F5344CB8AC3E}">
+        <p14:creationId xmlns:p14="http://schemas.microsoft.com/office/powerpoint/2010/main" val="44830143"/>
+      </p:ext>
+    </p:extLst>
+  </p:cSld>
+  <p:clrMapOvr>
+    <a:masterClrMapping/>
+  </p:clrMapOvr>
+</p:sld>
+</file>
+
+<file path=ppt/slides/slide7.xml><?xml version="1.0" encoding="utf-8"?>
+<p:sld xmlns:a="http://schemas.openxmlformats.org/drawingml/2006/main" xmlns:r="http://schemas.openxmlformats.org/officeDocument/2006/relationships" xmlns:p="http://schemas.openxmlformats.org/presentationml/2006/main">
+  <p:cSld>
+    <p:spTree>
+      <p:nvGrpSpPr>
+        <p:cNvPr id="1" name=""/>
+        <p:cNvGrpSpPr/>
+        <p:nvPr/>
+      </p:nvGrpSpPr>
+      <p:grpSpPr>
+        <a:xfrm>
+          <a:off x="0" y="0"/>
+          <a:ext cx="0" cy="0"/>
+          <a:chOff x="0" y="0"/>
+          <a:chExt cx="0" cy="0"/>
+        </a:xfrm>
+      </p:grpSpPr>
+      <p:sp>
+        <p:nvSpPr>
+          <p:cNvPr id="5" name="Rectangle 4">
+            <a:extLst>
+              <a:ext uri="{FF2B5EF4-FFF2-40B4-BE49-F238E27FC236}">
+                <a16:creationId xmlns:a16="http://schemas.microsoft.com/office/drawing/2014/main" id="{0FE31E72-BFA6-4FDC-9AD5-FC3C54025DD7}"/>
+              </a:ext>
+            </a:extLst>
+          </p:cNvPr>
+          <p:cNvSpPr/>
+          <p:nvPr/>
+        </p:nvSpPr>
+        <p:spPr>
+          <a:xfrm>
+            <a:off x="606425" y="2960685"/>
+            <a:ext cx="3568698" cy="936625"/>
+          </a:xfrm>
+          <a:prstGeom prst="rect">
+            <a:avLst/>
+          </a:prstGeom>
+          <a:noFill/>
+          <a:ln>
+            <a:noFill/>
+          </a:ln>
+        </p:spPr>
+        <p:style>
+          <a:lnRef idx="2">
+            <a:schemeClr val="accent1">
+              <a:shade val="50000"/>
+            </a:schemeClr>
+          </a:lnRef>
+          <a:fillRef idx="1">
+            <a:schemeClr val="accent1"/>
+          </a:fillRef>
+          <a:effectRef idx="0">
+            <a:schemeClr val="accent1"/>
+          </a:effectRef>
+          <a:fontRef idx="minor">
+            <a:schemeClr val="lt1"/>
+          </a:fontRef>
+        </p:style>
+        <p:txBody>
+          <a:bodyPr rtlCol="0" anchor="ctr"/>
+          <a:lstStyle/>
+          <a:p>
+            <a:pPr algn="ctr"/>
+            <a:endParaRPr lang="en-GB">
+              <a:solidFill>
+                <a:srgbClr val="FF0000"/>
+              </a:solidFill>
+            </a:endParaRPr>
+          </a:p>
+        </p:txBody>
+      </p:sp>
+      <p:grpSp>
+        <p:nvGrpSpPr>
+          <p:cNvPr id="2" name="Group 1">
+            <a:extLst>
+              <a:ext uri="{FF2B5EF4-FFF2-40B4-BE49-F238E27FC236}">
+                <a16:creationId xmlns:a16="http://schemas.microsoft.com/office/drawing/2014/main" id="{5415F249-DF0B-4B04-99DC-10979FC04E24}"/>
+              </a:ext>
+            </a:extLst>
+          </p:cNvPr>
+          <p:cNvGrpSpPr/>
+          <p:nvPr/>
+        </p:nvGrpSpPr>
+        <p:grpSpPr>
+          <a:xfrm>
+            <a:off x="719137" y="2960688"/>
+            <a:ext cx="3455986" cy="936625"/>
+            <a:chOff x="719137" y="2960688"/>
+            <a:chExt cx="3455986" cy="936625"/>
+          </a:xfrm>
+        </p:grpSpPr>
+        <p:sp>
+          <p:nvSpPr>
+            <p:cNvPr id="10" name="Rectangle: Top Corners Rounded 9">
+              <a:extLst>
+                <a:ext uri="{FF2B5EF4-FFF2-40B4-BE49-F238E27FC236}">
+                  <a16:creationId xmlns:a16="http://schemas.microsoft.com/office/drawing/2014/main" id="{2AB9AE14-FB16-47D5-9199-59F7C6F5FCF3}"/>
+                </a:ext>
+              </a:extLst>
+            </p:cNvPr>
+            <p:cNvSpPr/>
+            <p:nvPr/>
+          </p:nvSpPr>
+          <p:spPr>
+            <a:xfrm rot="5400000">
+              <a:off x="2036761" y="1758951"/>
+              <a:ext cx="936625" cy="3340099"/>
+            </a:xfrm>
+            <a:prstGeom prst="round2SameRect">
+              <a:avLst>
+                <a:gd name="adj1" fmla="val 42881"/>
+                <a:gd name="adj2" fmla="val 0"/>
+              </a:avLst>
+            </a:prstGeom>
+            <a:noFill/>
+            <a:ln w="19050">
+              <a:solidFill>
                 <a:srgbClr val="0032FF"/>
               </a:solidFill>
             </a:ln>
@@ -5036,6 +5341,309 @@
     <p:extLst>
       <p:ext uri="{BB962C8B-B14F-4D97-AF65-F5344CB8AC3E}">
         <p14:creationId xmlns:p14="http://schemas.microsoft.com/office/powerpoint/2010/main" val="1756667155"/>
+      </p:ext>
+    </p:extLst>
+  </p:cSld>
+  <p:clrMapOvr>
+    <a:masterClrMapping/>
+  </p:clrMapOvr>
+</p:sld>
+</file>
+
+<file path=ppt/slides/slide8.xml><?xml version="1.0" encoding="utf-8"?>
+<p:sld xmlns:a="http://schemas.openxmlformats.org/drawingml/2006/main" xmlns:r="http://schemas.openxmlformats.org/officeDocument/2006/relationships" xmlns:p="http://schemas.openxmlformats.org/presentationml/2006/main">
+  <p:cSld>
+    <p:spTree>
+      <p:nvGrpSpPr>
+        <p:cNvPr id="1" name=""/>
+        <p:cNvGrpSpPr/>
+        <p:nvPr/>
+      </p:nvGrpSpPr>
+      <p:grpSpPr>
+        <a:xfrm>
+          <a:off x="0" y="0"/>
+          <a:ext cx="0" cy="0"/>
+          <a:chOff x="0" y="0"/>
+          <a:chExt cx="0" cy="0"/>
+        </a:xfrm>
+      </p:grpSpPr>
+      <p:sp>
+        <p:nvSpPr>
+          <p:cNvPr id="5" name="Rectangle 4">
+            <a:extLst>
+              <a:ext uri="{FF2B5EF4-FFF2-40B4-BE49-F238E27FC236}">
+                <a16:creationId xmlns:a16="http://schemas.microsoft.com/office/drawing/2014/main" id="{0FE31E72-BFA6-4FDC-9AD5-FC3C54025DD7}"/>
+              </a:ext>
+            </a:extLst>
+          </p:cNvPr>
+          <p:cNvSpPr/>
+          <p:nvPr/>
+        </p:nvSpPr>
+        <p:spPr>
+          <a:xfrm>
+            <a:off x="606425" y="2960685"/>
+            <a:ext cx="3568698" cy="936625"/>
+          </a:xfrm>
+          <a:prstGeom prst="rect">
+            <a:avLst/>
+          </a:prstGeom>
+          <a:noFill/>
+          <a:ln>
+            <a:noFill/>
+          </a:ln>
+        </p:spPr>
+        <p:style>
+          <a:lnRef idx="2">
+            <a:schemeClr val="accent1">
+              <a:shade val="50000"/>
+            </a:schemeClr>
+          </a:lnRef>
+          <a:fillRef idx="1">
+            <a:schemeClr val="accent1"/>
+          </a:fillRef>
+          <a:effectRef idx="0">
+            <a:schemeClr val="accent1"/>
+          </a:effectRef>
+          <a:fontRef idx="minor">
+            <a:schemeClr val="lt1"/>
+          </a:fontRef>
+        </p:style>
+        <p:txBody>
+          <a:bodyPr rtlCol="0" anchor="ctr"/>
+          <a:lstStyle/>
+          <a:p>
+            <a:pPr algn="ctr"/>
+            <a:endParaRPr lang="en-GB">
+              <a:solidFill>
+                <a:srgbClr val="FF0000"/>
+              </a:solidFill>
+            </a:endParaRPr>
+          </a:p>
+        </p:txBody>
+      </p:sp>
+      <p:grpSp>
+        <p:nvGrpSpPr>
+          <p:cNvPr id="2" name="Group 1">
+            <a:extLst>
+              <a:ext uri="{FF2B5EF4-FFF2-40B4-BE49-F238E27FC236}">
+                <a16:creationId xmlns:a16="http://schemas.microsoft.com/office/drawing/2014/main" id="{5415F249-DF0B-4B04-99DC-10979FC04E24}"/>
+              </a:ext>
+            </a:extLst>
+          </p:cNvPr>
+          <p:cNvGrpSpPr/>
+          <p:nvPr/>
+        </p:nvGrpSpPr>
+        <p:grpSpPr>
+          <a:xfrm>
+            <a:off x="719137" y="2960688"/>
+            <a:ext cx="3455986" cy="936625"/>
+            <a:chOff x="719137" y="2960688"/>
+            <a:chExt cx="3455986" cy="936625"/>
+          </a:xfrm>
+        </p:grpSpPr>
+        <p:sp>
+          <p:nvSpPr>
+            <p:cNvPr id="10" name="Rectangle: Top Corners Rounded 9">
+              <a:extLst>
+                <a:ext uri="{FF2B5EF4-FFF2-40B4-BE49-F238E27FC236}">
+                  <a16:creationId xmlns:a16="http://schemas.microsoft.com/office/drawing/2014/main" id="{2AB9AE14-FB16-47D5-9199-59F7C6F5FCF3}"/>
+                </a:ext>
+              </a:extLst>
+            </p:cNvPr>
+            <p:cNvSpPr/>
+            <p:nvPr/>
+          </p:nvSpPr>
+          <p:spPr>
+            <a:xfrm rot="5400000">
+              <a:off x="2036761" y="1758951"/>
+              <a:ext cx="936625" cy="3340099"/>
+            </a:xfrm>
+            <a:prstGeom prst="round2SameRect">
+              <a:avLst>
+                <a:gd name="adj1" fmla="val 42881"/>
+                <a:gd name="adj2" fmla="val 0"/>
+              </a:avLst>
+            </a:prstGeom>
+            <a:noFill/>
+            <a:ln w="19050">
+              <a:solidFill>
+                <a:srgbClr val="0066FF"/>
+              </a:solidFill>
+            </a:ln>
+          </p:spPr>
+          <p:style>
+            <a:lnRef idx="2">
+              <a:schemeClr val="accent1">
+                <a:shade val="50000"/>
+              </a:schemeClr>
+            </a:lnRef>
+            <a:fillRef idx="1">
+              <a:schemeClr val="accent1"/>
+            </a:fillRef>
+            <a:effectRef idx="0">
+              <a:schemeClr val="accent1"/>
+            </a:effectRef>
+            <a:fontRef idx="minor">
+              <a:schemeClr val="lt1"/>
+            </a:fontRef>
+          </p:style>
+          <p:txBody>
+            <a:bodyPr rtlCol="0" anchor="ctr"/>
+            <a:lstStyle/>
+            <a:p>
+              <a:pPr algn="ctr"/>
+              <a:endParaRPr lang="en-GB" dirty="0">
+                <a:solidFill>
+                  <a:srgbClr val="0066FF"/>
+                </a:solidFill>
+              </a:endParaRPr>
+            </a:p>
+          </p:txBody>
+        </p:sp>
+        <p:cxnSp>
+          <p:nvCxnSpPr>
+            <p:cNvPr id="7" name="Straight Connector 6">
+              <a:extLst>
+                <a:ext uri="{FF2B5EF4-FFF2-40B4-BE49-F238E27FC236}">
+                  <a16:creationId xmlns:a16="http://schemas.microsoft.com/office/drawing/2014/main" id="{0500769E-EFC8-4A0C-AC6E-CEBE5E869FB1}"/>
+                </a:ext>
+              </a:extLst>
+            </p:cNvPr>
+            <p:cNvCxnSpPr>
+              <a:cxnSpLocks/>
+            </p:cNvCxnSpPr>
+            <p:nvPr/>
+          </p:nvCxnSpPr>
+          <p:spPr>
+            <a:xfrm>
+              <a:off x="719137" y="2960688"/>
+              <a:ext cx="0" cy="936625"/>
+            </a:xfrm>
+            <a:prstGeom prst="line">
+              <a:avLst/>
+            </a:prstGeom>
+            <a:ln w="19050">
+              <a:solidFill>
+                <a:srgbClr val="0066FF"/>
+              </a:solidFill>
+            </a:ln>
+          </p:spPr>
+          <p:style>
+            <a:lnRef idx="1">
+              <a:schemeClr val="accent1"/>
+            </a:lnRef>
+            <a:fillRef idx="0">
+              <a:schemeClr val="accent1"/>
+            </a:fillRef>
+            <a:effectRef idx="0">
+              <a:schemeClr val="accent1"/>
+            </a:effectRef>
+            <a:fontRef idx="minor">
+              <a:schemeClr val="tx1"/>
+            </a:fontRef>
+          </p:style>
+        </p:cxnSp>
+        <p:sp>
+          <p:nvSpPr>
+            <p:cNvPr id="13" name="Rectangle 12">
+              <a:extLst>
+                <a:ext uri="{FF2B5EF4-FFF2-40B4-BE49-F238E27FC236}">
+                  <a16:creationId xmlns:a16="http://schemas.microsoft.com/office/drawing/2014/main" id="{0F5BACFB-4C7B-44C9-BF9F-BCDC1718FC63}"/>
+                </a:ext>
+              </a:extLst>
+            </p:cNvPr>
+            <p:cNvSpPr/>
+            <p:nvPr/>
+          </p:nvSpPr>
+          <p:spPr>
+            <a:xfrm>
+              <a:off x="719137" y="3224213"/>
+              <a:ext cx="115887" cy="414337"/>
+            </a:xfrm>
+            <a:prstGeom prst="rect">
+              <a:avLst/>
+            </a:prstGeom>
+            <a:noFill/>
+            <a:ln w="19050">
+              <a:solidFill>
+                <a:srgbClr val="0066FF"/>
+              </a:solidFill>
+            </a:ln>
+          </p:spPr>
+          <p:style>
+            <a:lnRef idx="2">
+              <a:schemeClr val="accent1">
+                <a:shade val="50000"/>
+              </a:schemeClr>
+            </a:lnRef>
+            <a:fillRef idx="1">
+              <a:schemeClr val="accent1"/>
+            </a:fillRef>
+            <a:effectRef idx="0">
+              <a:schemeClr val="accent1"/>
+            </a:effectRef>
+            <a:fontRef idx="minor">
+              <a:schemeClr val="lt1"/>
+            </a:fontRef>
+          </p:style>
+          <p:txBody>
+            <a:bodyPr rtlCol="0" anchor="ctr"/>
+            <a:lstStyle/>
+            <a:p>
+              <a:pPr algn="ctr"/>
+              <a:endParaRPr lang="en-GB">
+                <a:solidFill>
+                  <a:srgbClr val="0066FF"/>
+                </a:solidFill>
+              </a:endParaRPr>
+            </a:p>
+          </p:txBody>
+        </p:sp>
+      </p:grpSp>
+      <p:sp>
+        <p:nvSpPr>
+          <p:cNvPr id="17" name="TextBox 16">
+            <a:extLst>
+              <a:ext uri="{FF2B5EF4-FFF2-40B4-BE49-F238E27FC236}">
+                <a16:creationId xmlns:a16="http://schemas.microsoft.com/office/drawing/2014/main" id="{732A87AA-582E-4137-BA01-374DDC9ED3CD}"/>
+              </a:ext>
+            </a:extLst>
+          </p:cNvPr>
+          <p:cNvSpPr txBox="1"/>
+          <p:nvPr/>
+        </p:nvSpPr>
+        <p:spPr>
+          <a:xfrm>
+            <a:off x="835024" y="3136612"/>
+            <a:ext cx="3340099" cy="584775"/>
+          </a:xfrm>
+          <a:prstGeom prst="rect">
+            <a:avLst/>
+          </a:prstGeom>
+          <a:noFill/>
+        </p:spPr>
+        <p:txBody>
+          <a:bodyPr wrap="square" rtlCol="0">
+            <a:spAutoFit/>
+          </a:bodyPr>
+          <a:lstStyle/>
+          <a:p>
+            <a:r>
+              <a:rPr lang="en-GB" sz="3200" spc="300" dirty="0">
+                <a:solidFill>
+                  <a:srgbClr val="0066FF"/>
+                </a:solidFill>
+                <a:latin typeface="Consolas" panose="020B0609020204030204" pitchFamily="49" charset="0"/>
+              </a:rPr>
+              <a:t>xandprojects</a:t>
+            </a:r>
+          </a:p>
+        </p:txBody>
+      </p:sp>
+    </p:spTree>
+    <p:extLst>
+      <p:ext uri="{BB962C8B-B14F-4D97-AF65-F5344CB8AC3E}">
+        <p14:creationId xmlns:p14="http://schemas.microsoft.com/office/powerpoint/2010/main" val="1882784113"/>
       </p:ext>
     </p:extLst>
   </p:cSld>

--- a/logo.pptx
+++ b/logo.pptx
@@ -9,10 +9,11 @@
     <p:sldId id="258" r:id="rId3"/>
     <p:sldId id="259" r:id="rId4"/>
     <p:sldId id="260" r:id="rId5"/>
-    <p:sldId id="261" r:id="rId6"/>
-    <p:sldId id="264" r:id="rId7"/>
-    <p:sldId id="262" r:id="rId8"/>
-    <p:sldId id="265" r:id="rId9"/>
+    <p:sldId id="266" r:id="rId6"/>
+    <p:sldId id="261" r:id="rId7"/>
+    <p:sldId id="264" r:id="rId8"/>
+    <p:sldId id="262" r:id="rId9"/>
+    <p:sldId id="265" r:id="rId10"/>
   </p:sldIdLst>
   <p:sldSz cx="12192000" cy="6858000"/>
   <p:notesSz cx="6858000" cy="9144000"/>
@@ -4558,6 +4559,309 @@
             <a:noFill/>
             <a:ln w="19050">
               <a:solidFill>
+                <a:srgbClr val="66FF00"/>
+              </a:solidFill>
+            </a:ln>
+          </p:spPr>
+          <p:style>
+            <a:lnRef idx="2">
+              <a:schemeClr val="accent1">
+                <a:shade val="50000"/>
+              </a:schemeClr>
+            </a:lnRef>
+            <a:fillRef idx="1">
+              <a:schemeClr val="accent1"/>
+            </a:fillRef>
+            <a:effectRef idx="0">
+              <a:schemeClr val="accent1"/>
+            </a:effectRef>
+            <a:fontRef idx="minor">
+              <a:schemeClr val="lt1"/>
+            </a:fontRef>
+          </p:style>
+          <p:txBody>
+            <a:bodyPr rtlCol="0" anchor="ctr"/>
+            <a:lstStyle/>
+            <a:p>
+              <a:pPr algn="ctr"/>
+              <a:endParaRPr lang="en-GB" dirty="0">
+                <a:solidFill>
+                  <a:srgbClr val="C80000"/>
+                </a:solidFill>
+              </a:endParaRPr>
+            </a:p>
+          </p:txBody>
+        </p:sp>
+        <p:cxnSp>
+          <p:nvCxnSpPr>
+            <p:cNvPr id="7" name="Straight Connector 6">
+              <a:extLst>
+                <a:ext uri="{FF2B5EF4-FFF2-40B4-BE49-F238E27FC236}">
+                  <a16:creationId xmlns:a16="http://schemas.microsoft.com/office/drawing/2014/main" id="{0500769E-EFC8-4A0C-AC6E-CEBE5E869FB1}"/>
+                </a:ext>
+              </a:extLst>
+            </p:cNvPr>
+            <p:cNvCxnSpPr>
+              <a:cxnSpLocks/>
+            </p:cNvCxnSpPr>
+            <p:nvPr/>
+          </p:nvCxnSpPr>
+          <p:spPr>
+            <a:xfrm>
+              <a:off x="719137" y="2960688"/>
+              <a:ext cx="0" cy="936625"/>
+            </a:xfrm>
+            <a:prstGeom prst="line">
+              <a:avLst/>
+            </a:prstGeom>
+            <a:ln w="19050">
+              <a:solidFill>
+                <a:srgbClr val="66FF00"/>
+              </a:solidFill>
+            </a:ln>
+          </p:spPr>
+          <p:style>
+            <a:lnRef idx="1">
+              <a:schemeClr val="accent1"/>
+            </a:lnRef>
+            <a:fillRef idx="0">
+              <a:schemeClr val="accent1"/>
+            </a:fillRef>
+            <a:effectRef idx="0">
+              <a:schemeClr val="accent1"/>
+            </a:effectRef>
+            <a:fontRef idx="minor">
+              <a:schemeClr val="tx1"/>
+            </a:fontRef>
+          </p:style>
+        </p:cxnSp>
+        <p:sp>
+          <p:nvSpPr>
+            <p:cNvPr id="13" name="Rectangle 12">
+              <a:extLst>
+                <a:ext uri="{FF2B5EF4-FFF2-40B4-BE49-F238E27FC236}">
+                  <a16:creationId xmlns:a16="http://schemas.microsoft.com/office/drawing/2014/main" id="{0F5BACFB-4C7B-44C9-BF9F-BCDC1718FC63}"/>
+                </a:ext>
+              </a:extLst>
+            </p:cNvPr>
+            <p:cNvSpPr/>
+            <p:nvPr/>
+          </p:nvSpPr>
+          <p:spPr>
+            <a:xfrm>
+              <a:off x="719137" y="3224213"/>
+              <a:ext cx="115887" cy="414337"/>
+            </a:xfrm>
+            <a:prstGeom prst="rect">
+              <a:avLst/>
+            </a:prstGeom>
+            <a:noFill/>
+            <a:ln w="19050">
+              <a:solidFill>
+                <a:srgbClr val="66FF00"/>
+              </a:solidFill>
+            </a:ln>
+          </p:spPr>
+          <p:style>
+            <a:lnRef idx="2">
+              <a:schemeClr val="accent1">
+                <a:shade val="50000"/>
+              </a:schemeClr>
+            </a:lnRef>
+            <a:fillRef idx="1">
+              <a:schemeClr val="accent1"/>
+            </a:fillRef>
+            <a:effectRef idx="0">
+              <a:schemeClr val="accent1"/>
+            </a:effectRef>
+            <a:fontRef idx="minor">
+              <a:schemeClr val="lt1"/>
+            </a:fontRef>
+          </p:style>
+          <p:txBody>
+            <a:bodyPr rtlCol="0" anchor="ctr"/>
+            <a:lstStyle/>
+            <a:p>
+              <a:pPr algn="ctr"/>
+              <a:endParaRPr lang="en-GB">
+                <a:solidFill>
+                  <a:srgbClr val="C80000"/>
+                </a:solidFill>
+              </a:endParaRPr>
+            </a:p>
+          </p:txBody>
+        </p:sp>
+      </p:grpSp>
+      <p:sp>
+        <p:nvSpPr>
+          <p:cNvPr id="17" name="TextBox 16">
+            <a:extLst>
+              <a:ext uri="{FF2B5EF4-FFF2-40B4-BE49-F238E27FC236}">
+                <a16:creationId xmlns:a16="http://schemas.microsoft.com/office/drawing/2014/main" id="{732A87AA-582E-4137-BA01-374DDC9ED3CD}"/>
+              </a:ext>
+            </a:extLst>
+          </p:cNvPr>
+          <p:cNvSpPr txBox="1"/>
+          <p:nvPr/>
+        </p:nvSpPr>
+        <p:spPr>
+          <a:xfrm>
+            <a:off x="835024" y="3136612"/>
+            <a:ext cx="3340099" cy="584775"/>
+          </a:xfrm>
+          <a:prstGeom prst="rect">
+            <a:avLst/>
+          </a:prstGeom>
+          <a:noFill/>
+        </p:spPr>
+        <p:txBody>
+          <a:bodyPr wrap="square" rtlCol="0">
+            <a:spAutoFit/>
+          </a:bodyPr>
+          <a:lstStyle/>
+          <a:p>
+            <a:r>
+              <a:rPr lang="en-GB" sz="3200" spc="300" dirty="0">
+                <a:solidFill>
+                  <a:srgbClr val="66FF00"/>
+                </a:solidFill>
+                <a:latin typeface="Consolas" panose="020B0609020204030204" pitchFamily="49" charset="0"/>
+              </a:rPr>
+              <a:t>xandprojects</a:t>
+            </a:r>
+          </a:p>
+        </p:txBody>
+      </p:sp>
+    </p:spTree>
+    <p:extLst>
+      <p:ext uri="{BB962C8B-B14F-4D97-AF65-F5344CB8AC3E}">
+        <p14:creationId xmlns:p14="http://schemas.microsoft.com/office/powerpoint/2010/main" val="3543422888"/>
+      </p:ext>
+    </p:extLst>
+  </p:cSld>
+  <p:clrMapOvr>
+    <a:masterClrMapping/>
+  </p:clrMapOvr>
+</p:sld>
+</file>
+
+<file path=ppt/slides/slide6.xml><?xml version="1.0" encoding="utf-8"?>
+<p:sld xmlns:a="http://schemas.openxmlformats.org/drawingml/2006/main" xmlns:r="http://schemas.openxmlformats.org/officeDocument/2006/relationships" xmlns:p="http://schemas.openxmlformats.org/presentationml/2006/main">
+  <p:cSld>
+    <p:spTree>
+      <p:nvGrpSpPr>
+        <p:cNvPr id="1" name=""/>
+        <p:cNvGrpSpPr/>
+        <p:nvPr/>
+      </p:nvGrpSpPr>
+      <p:grpSpPr>
+        <a:xfrm>
+          <a:off x="0" y="0"/>
+          <a:ext cx="0" cy="0"/>
+          <a:chOff x="0" y="0"/>
+          <a:chExt cx="0" cy="0"/>
+        </a:xfrm>
+      </p:grpSpPr>
+      <p:sp>
+        <p:nvSpPr>
+          <p:cNvPr id="5" name="Rectangle 4">
+            <a:extLst>
+              <a:ext uri="{FF2B5EF4-FFF2-40B4-BE49-F238E27FC236}">
+                <a16:creationId xmlns:a16="http://schemas.microsoft.com/office/drawing/2014/main" id="{0FE31E72-BFA6-4FDC-9AD5-FC3C54025DD7}"/>
+              </a:ext>
+            </a:extLst>
+          </p:cNvPr>
+          <p:cNvSpPr/>
+          <p:nvPr/>
+        </p:nvSpPr>
+        <p:spPr>
+          <a:xfrm>
+            <a:off x="606425" y="2960685"/>
+            <a:ext cx="3568698" cy="936625"/>
+          </a:xfrm>
+          <a:prstGeom prst="rect">
+            <a:avLst/>
+          </a:prstGeom>
+          <a:noFill/>
+          <a:ln>
+            <a:noFill/>
+          </a:ln>
+        </p:spPr>
+        <p:style>
+          <a:lnRef idx="2">
+            <a:schemeClr val="accent1">
+              <a:shade val="50000"/>
+            </a:schemeClr>
+          </a:lnRef>
+          <a:fillRef idx="1">
+            <a:schemeClr val="accent1"/>
+          </a:fillRef>
+          <a:effectRef idx="0">
+            <a:schemeClr val="accent1"/>
+          </a:effectRef>
+          <a:fontRef idx="minor">
+            <a:schemeClr val="lt1"/>
+          </a:fontRef>
+        </p:style>
+        <p:txBody>
+          <a:bodyPr rtlCol="0" anchor="ctr"/>
+          <a:lstStyle/>
+          <a:p>
+            <a:pPr algn="ctr"/>
+            <a:endParaRPr lang="en-GB">
+              <a:solidFill>
+                <a:srgbClr val="FF0000"/>
+              </a:solidFill>
+            </a:endParaRPr>
+          </a:p>
+        </p:txBody>
+      </p:sp>
+      <p:grpSp>
+        <p:nvGrpSpPr>
+          <p:cNvPr id="2" name="Group 1">
+            <a:extLst>
+              <a:ext uri="{FF2B5EF4-FFF2-40B4-BE49-F238E27FC236}">
+                <a16:creationId xmlns:a16="http://schemas.microsoft.com/office/drawing/2014/main" id="{5415F249-DF0B-4B04-99DC-10979FC04E24}"/>
+              </a:ext>
+            </a:extLst>
+          </p:cNvPr>
+          <p:cNvGrpSpPr/>
+          <p:nvPr/>
+        </p:nvGrpSpPr>
+        <p:grpSpPr>
+          <a:xfrm>
+            <a:off x="719137" y="2960688"/>
+            <a:ext cx="3455986" cy="936625"/>
+            <a:chOff x="719137" y="2960688"/>
+            <a:chExt cx="3455986" cy="936625"/>
+          </a:xfrm>
+        </p:grpSpPr>
+        <p:sp>
+          <p:nvSpPr>
+            <p:cNvPr id="10" name="Rectangle: Top Corners Rounded 9">
+              <a:extLst>
+                <a:ext uri="{FF2B5EF4-FFF2-40B4-BE49-F238E27FC236}">
+                  <a16:creationId xmlns:a16="http://schemas.microsoft.com/office/drawing/2014/main" id="{2AB9AE14-FB16-47D5-9199-59F7C6F5FCF3}"/>
+                </a:ext>
+              </a:extLst>
+            </p:cNvPr>
+            <p:cNvSpPr/>
+            <p:nvPr/>
+          </p:nvSpPr>
+          <p:spPr>
+            <a:xfrm rot="5400000">
+              <a:off x="2036761" y="1758951"/>
+              <a:ext cx="936625" cy="3340099"/>
+            </a:xfrm>
+            <a:prstGeom prst="round2SameRect">
+              <a:avLst>
+                <a:gd name="adj1" fmla="val 42881"/>
+                <a:gd name="adj2" fmla="val 0"/>
+              </a:avLst>
+            </a:prstGeom>
+            <a:noFill/>
+            <a:ln w="19050">
+              <a:solidFill>
                 <a:srgbClr val="4B00C8"/>
               </a:solidFill>
             </a:ln>
@@ -4744,7 +5048,7 @@
 </p:sld>
 </file>
 
-<file path=ppt/slides/slide6.xml><?xml version="1.0" encoding="utf-8"?>
+<file path=ppt/slides/slide7.xml><?xml version="1.0" encoding="utf-8"?>
 <p:sld xmlns:a="http://schemas.openxmlformats.org/drawingml/2006/main" xmlns:r="http://schemas.openxmlformats.org/officeDocument/2006/relationships" xmlns:p="http://schemas.openxmlformats.org/presentationml/2006/main">
   <p:cSld>
     <p:spTree>
@@ -5047,7 +5351,7 @@
 </p:sld>
 </file>
 
-<file path=ppt/slides/slide7.xml><?xml version="1.0" encoding="utf-8"?>
+<file path=ppt/slides/slide8.xml><?xml version="1.0" encoding="utf-8"?>
 <p:sld xmlns:a="http://schemas.openxmlformats.org/drawingml/2006/main" xmlns:r="http://schemas.openxmlformats.org/officeDocument/2006/relationships" xmlns:p="http://schemas.openxmlformats.org/presentationml/2006/main">
   <p:cSld>
     <p:spTree>
@@ -5350,7 +5654,7 @@
 </p:sld>
 </file>
 
-<file path=ppt/slides/slide8.xml><?xml version="1.0" encoding="utf-8"?>
+<file path=ppt/slides/slide9.xml><?xml version="1.0" encoding="utf-8"?>
 <p:sld xmlns:a="http://schemas.openxmlformats.org/drawingml/2006/main" xmlns:r="http://schemas.openxmlformats.org/officeDocument/2006/relationships" xmlns:p="http://schemas.openxmlformats.org/presentationml/2006/main">
   <p:cSld>
     <p:spTree>

--- a/logo.pptx
+++ b/logo.pptx
@@ -8,12 +8,13 @@
     <p:sldId id="263" r:id="rId2"/>
     <p:sldId id="258" r:id="rId3"/>
     <p:sldId id="259" r:id="rId4"/>
-    <p:sldId id="260" r:id="rId5"/>
-    <p:sldId id="266" r:id="rId6"/>
-    <p:sldId id="261" r:id="rId7"/>
-    <p:sldId id="264" r:id="rId8"/>
-    <p:sldId id="262" r:id="rId9"/>
-    <p:sldId id="265" r:id="rId10"/>
+    <p:sldId id="267" r:id="rId5"/>
+    <p:sldId id="260" r:id="rId6"/>
+    <p:sldId id="266" r:id="rId7"/>
+    <p:sldId id="261" r:id="rId8"/>
+    <p:sldId id="264" r:id="rId9"/>
+    <p:sldId id="262" r:id="rId10"/>
+    <p:sldId id="265" r:id="rId11"/>
   </p:sldIdLst>
   <p:sldSz cx="12192000" cy="6858000"/>
   <p:notesSz cx="6858000" cy="9144000"/>
@@ -269,7 +270,7 @@
           <a:p>
             <a:fld id="{A6BF78BB-AAE9-44BC-ACF1-74B5BCF9DDA9}" type="datetimeFigureOut">
               <a:rPr lang="en-GB" smtClean="0"/>
-              <a:t>18/08/2021</a:t>
+              <a:t>28/08/2021</a:t>
             </a:fld>
             <a:endParaRPr lang="en-GB"/>
           </a:p>
@@ -469,7 +470,7 @@
           <a:p>
             <a:fld id="{A6BF78BB-AAE9-44BC-ACF1-74B5BCF9DDA9}" type="datetimeFigureOut">
               <a:rPr lang="en-GB" smtClean="0"/>
-              <a:t>18/08/2021</a:t>
+              <a:t>28/08/2021</a:t>
             </a:fld>
             <a:endParaRPr lang="en-GB"/>
           </a:p>
@@ -679,7 +680,7 @@
           <a:p>
             <a:fld id="{A6BF78BB-AAE9-44BC-ACF1-74B5BCF9DDA9}" type="datetimeFigureOut">
               <a:rPr lang="en-GB" smtClean="0"/>
-              <a:t>18/08/2021</a:t>
+              <a:t>28/08/2021</a:t>
             </a:fld>
             <a:endParaRPr lang="en-GB"/>
           </a:p>
@@ -879,7 +880,7 @@
           <a:p>
             <a:fld id="{A6BF78BB-AAE9-44BC-ACF1-74B5BCF9DDA9}" type="datetimeFigureOut">
               <a:rPr lang="en-GB" smtClean="0"/>
-              <a:t>18/08/2021</a:t>
+              <a:t>28/08/2021</a:t>
             </a:fld>
             <a:endParaRPr lang="en-GB"/>
           </a:p>
@@ -1155,7 +1156,7 @@
           <a:p>
             <a:fld id="{A6BF78BB-AAE9-44BC-ACF1-74B5BCF9DDA9}" type="datetimeFigureOut">
               <a:rPr lang="en-GB" smtClean="0"/>
-              <a:t>18/08/2021</a:t>
+              <a:t>28/08/2021</a:t>
             </a:fld>
             <a:endParaRPr lang="en-GB"/>
           </a:p>
@@ -1423,7 +1424,7 @@
           <a:p>
             <a:fld id="{A6BF78BB-AAE9-44BC-ACF1-74B5BCF9DDA9}" type="datetimeFigureOut">
               <a:rPr lang="en-GB" smtClean="0"/>
-              <a:t>18/08/2021</a:t>
+              <a:t>28/08/2021</a:t>
             </a:fld>
             <a:endParaRPr lang="en-GB"/>
           </a:p>
@@ -1838,7 +1839,7 @@
           <a:p>
             <a:fld id="{A6BF78BB-AAE9-44BC-ACF1-74B5BCF9DDA9}" type="datetimeFigureOut">
               <a:rPr lang="en-GB" smtClean="0"/>
-              <a:t>18/08/2021</a:t>
+              <a:t>28/08/2021</a:t>
             </a:fld>
             <a:endParaRPr lang="en-GB"/>
           </a:p>
@@ -1980,7 +1981,7 @@
           <a:p>
             <a:fld id="{A6BF78BB-AAE9-44BC-ACF1-74B5BCF9DDA9}" type="datetimeFigureOut">
               <a:rPr lang="en-GB" smtClean="0"/>
-              <a:t>18/08/2021</a:t>
+              <a:t>28/08/2021</a:t>
             </a:fld>
             <a:endParaRPr lang="en-GB"/>
           </a:p>
@@ -2093,7 +2094,7 @@
           <a:p>
             <a:fld id="{A6BF78BB-AAE9-44BC-ACF1-74B5BCF9DDA9}" type="datetimeFigureOut">
               <a:rPr lang="en-GB" smtClean="0"/>
-              <a:t>18/08/2021</a:t>
+              <a:t>28/08/2021</a:t>
             </a:fld>
             <a:endParaRPr lang="en-GB"/>
           </a:p>
@@ -2406,7 +2407,7 @@
           <a:p>
             <a:fld id="{A6BF78BB-AAE9-44BC-ACF1-74B5BCF9DDA9}" type="datetimeFigureOut">
               <a:rPr lang="en-GB" smtClean="0"/>
-              <a:t>18/08/2021</a:t>
+              <a:t>28/08/2021</a:t>
             </a:fld>
             <a:endParaRPr lang="en-GB"/>
           </a:p>
@@ -2695,7 +2696,7 @@
           <a:p>
             <a:fld id="{A6BF78BB-AAE9-44BC-ACF1-74B5BCF9DDA9}" type="datetimeFigureOut">
               <a:rPr lang="en-GB" smtClean="0"/>
-              <a:t>18/08/2021</a:t>
+              <a:t>28/08/2021</a:t>
             </a:fld>
             <a:endParaRPr lang="en-GB"/>
           </a:p>
@@ -2938,7 +2939,7 @@
           <a:p>
             <a:fld id="{A6BF78BB-AAE9-44BC-ACF1-74B5BCF9DDA9}" type="datetimeFigureOut">
               <a:rPr lang="en-GB" smtClean="0"/>
-              <a:t>18/08/2021</a:t>
+              <a:t>28/08/2021</a:t>
             </a:fld>
             <a:endParaRPr lang="en-GB"/>
           </a:p>
@@ -3566,6 +3567,309 @@
 </p:sld>
 </file>
 
+<file path=ppt/slides/slide10.xml><?xml version="1.0" encoding="utf-8"?>
+<p:sld xmlns:a="http://schemas.openxmlformats.org/drawingml/2006/main" xmlns:r="http://schemas.openxmlformats.org/officeDocument/2006/relationships" xmlns:p="http://schemas.openxmlformats.org/presentationml/2006/main">
+  <p:cSld>
+    <p:spTree>
+      <p:nvGrpSpPr>
+        <p:cNvPr id="1" name=""/>
+        <p:cNvGrpSpPr/>
+        <p:nvPr/>
+      </p:nvGrpSpPr>
+      <p:grpSpPr>
+        <a:xfrm>
+          <a:off x="0" y="0"/>
+          <a:ext cx="0" cy="0"/>
+          <a:chOff x="0" y="0"/>
+          <a:chExt cx="0" cy="0"/>
+        </a:xfrm>
+      </p:grpSpPr>
+      <p:sp>
+        <p:nvSpPr>
+          <p:cNvPr id="5" name="Rectangle 4">
+            <a:extLst>
+              <a:ext uri="{FF2B5EF4-FFF2-40B4-BE49-F238E27FC236}">
+                <a16:creationId xmlns:a16="http://schemas.microsoft.com/office/drawing/2014/main" id="{0FE31E72-BFA6-4FDC-9AD5-FC3C54025DD7}"/>
+              </a:ext>
+            </a:extLst>
+          </p:cNvPr>
+          <p:cNvSpPr/>
+          <p:nvPr/>
+        </p:nvSpPr>
+        <p:spPr>
+          <a:xfrm>
+            <a:off x="606425" y="2960685"/>
+            <a:ext cx="3568698" cy="936625"/>
+          </a:xfrm>
+          <a:prstGeom prst="rect">
+            <a:avLst/>
+          </a:prstGeom>
+          <a:noFill/>
+          <a:ln>
+            <a:noFill/>
+          </a:ln>
+        </p:spPr>
+        <p:style>
+          <a:lnRef idx="2">
+            <a:schemeClr val="accent1">
+              <a:shade val="50000"/>
+            </a:schemeClr>
+          </a:lnRef>
+          <a:fillRef idx="1">
+            <a:schemeClr val="accent1"/>
+          </a:fillRef>
+          <a:effectRef idx="0">
+            <a:schemeClr val="accent1"/>
+          </a:effectRef>
+          <a:fontRef idx="minor">
+            <a:schemeClr val="lt1"/>
+          </a:fontRef>
+        </p:style>
+        <p:txBody>
+          <a:bodyPr rtlCol="0" anchor="ctr"/>
+          <a:lstStyle/>
+          <a:p>
+            <a:pPr algn="ctr"/>
+            <a:endParaRPr lang="en-GB">
+              <a:solidFill>
+                <a:srgbClr val="FF0000"/>
+              </a:solidFill>
+            </a:endParaRPr>
+          </a:p>
+        </p:txBody>
+      </p:sp>
+      <p:grpSp>
+        <p:nvGrpSpPr>
+          <p:cNvPr id="2" name="Group 1">
+            <a:extLst>
+              <a:ext uri="{FF2B5EF4-FFF2-40B4-BE49-F238E27FC236}">
+                <a16:creationId xmlns:a16="http://schemas.microsoft.com/office/drawing/2014/main" id="{5415F249-DF0B-4B04-99DC-10979FC04E24}"/>
+              </a:ext>
+            </a:extLst>
+          </p:cNvPr>
+          <p:cNvGrpSpPr/>
+          <p:nvPr/>
+        </p:nvGrpSpPr>
+        <p:grpSpPr>
+          <a:xfrm>
+            <a:off x="719137" y="2960688"/>
+            <a:ext cx="3455986" cy="936625"/>
+            <a:chOff x="719137" y="2960688"/>
+            <a:chExt cx="3455986" cy="936625"/>
+          </a:xfrm>
+        </p:grpSpPr>
+        <p:sp>
+          <p:nvSpPr>
+            <p:cNvPr id="10" name="Rectangle: Top Corners Rounded 9">
+              <a:extLst>
+                <a:ext uri="{FF2B5EF4-FFF2-40B4-BE49-F238E27FC236}">
+                  <a16:creationId xmlns:a16="http://schemas.microsoft.com/office/drawing/2014/main" id="{2AB9AE14-FB16-47D5-9199-59F7C6F5FCF3}"/>
+                </a:ext>
+              </a:extLst>
+            </p:cNvPr>
+            <p:cNvSpPr/>
+            <p:nvPr/>
+          </p:nvSpPr>
+          <p:spPr>
+            <a:xfrm rot="5400000">
+              <a:off x="2036761" y="1758951"/>
+              <a:ext cx="936625" cy="3340099"/>
+            </a:xfrm>
+            <a:prstGeom prst="round2SameRect">
+              <a:avLst>
+                <a:gd name="adj1" fmla="val 42881"/>
+                <a:gd name="adj2" fmla="val 0"/>
+              </a:avLst>
+            </a:prstGeom>
+            <a:noFill/>
+            <a:ln w="19050">
+              <a:solidFill>
+                <a:srgbClr val="0066FF"/>
+              </a:solidFill>
+            </a:ln>
+          </p:spPr>
+          <p:style>
+            <a:lnRef idx="2">
+              <a:schemeClr val="accent1">
+                <a:shade val="50000"/>
+              </a:schemeClr>
+            </a:lnRef>
+            <a:fillRef idx="1">
+              <a:schemeClr val="accent1"/>
+            </a:fillRef>
+            <a:effectRef idx="0">
+              <a:schemeClr val="accent1"/>
+            </a:effectRef>
+            <a:fontRef idx="minor">
+              <a:schemeClr val="lt1"/>
+            </a:fontRef>
+          </p:style>
+          <p:txBody>
+            <a:bodyPr rtlCol="0" anchor="ctr"/>
+            <a:lstStyle/>
+            <a:p>
+              <a:pPr algn="ctr"/>
+              <a:endParaRPr lang="en-GB" dirty="0">
+                <a:solidFill>
+                  <a:srgbClr val="0066FF"/>
+                </a:solidFill>
+              </a:endParaRPr>
+            </a:p>
+          </p:txBody>
+        </p:sp>
+        <p:cxnSp>
+          <p:nvCxnSpPr>
+            <p:cNvPr id="7" name="Straight Connector 6">
+              <a:extLst>
+                <a:ext uri="{FF2B5EF4-FFF2-40B4-BE49-F238E27FC236}">
+                  <a16:creationId xmlns:a16="http://schemas.microsoft.com/office/drawing/2014/main" id="{0500769E-EFC8-4A0C-AC6E-CEBE5E869FB1}"/>
+                </a:ext>
+              </a:extLst>
+            </p:cNvPr>
+            <p:cNvCxnSpPr>
+              <a:cxnSpLocks/>
+            </p:cNvCxnSpPr>
+            <p:nvPr/>
+          </p:nvCxnSpPr>
+          <p:spPr>
+            <a:xfrm>
+              <a:off x="719137" y="2960688"/>
+              <a:ext cx="0" cy="936625"/>
+            </a:xfrm>
+            <a:prstGeom prst="line">
+              <a:avLst/>
+            </a:prstGeom>
+            <a:ln w="19050">
+              <a:solidFill>
+                <a:srgbClr val="0066FF"/>
+              </a:solidFill>
+            </a:ln>
+          </p:spPr>
+          <p:style>
+            <a:lnRef idx="1">
+              <a:schemeClr val="accent1"/>
+            </a:lnRef>
+            <a:fillRef idx="0">
+              <a:schemeClr val="accent1"/>
+            </a:fillRef>
+            <a:effectRef idx="0">
+              <a:schemeClr val="accent1"/>
+            </a:effectRef>
+            <a:fontRef idx="minor">
+              <a:schemeClr val="tx1"/>
+            </a:fontRef>
+          </p:style>
+        </p:cxnSp>
+        <p:sp>
+          <p:nvSpPr>
+            <p:cNvPr id="13" name="Rectangle 12">
+              <a:extLst>
+                <a:ext uri="{FF2B5EF4-FFF2-40B4-BE49-F238E27FC236}">
+                  <a16:creationId xmlns:a16="http://schemas.microsoft.com/office/drawing/2014/main" id="{0F5BACFB-4C7B-44C9-BF9F-BCDC1718FC63}"/>
+                </a:ext>
+              </a:extLst>
+            </p:cNvPr>
+            <p:cNvSpPr/>
+            <p:nvPr/>
+          </p:nvSpPr>
+          <p:spPr>
+            <a:xfrm>
+              <a:off x="719137" y="3224213"/>
+              <a:ext cx="115887" cy="414337"/>
+            </a:xfrm>
+            <a:prstGeom prst="rect">
+              <a:avLst/>
+            </a:prstGeom>
+            <a:noFill/>
+            <a:ln w="19050">
+              <a:solidFill>
+                <a:srgbClr val="0066FF"/>
+              </a:solidFill>
+            </a:ln>
+          </p:spPr>
+          <p:style>
+            <a:lnRef idx="2">
+              <a:schemeClr val="accent1">
+                <a:shade val="50000"/>
+              </a:schemeClr>
+            </a:lnRef>
+            <a:fillRef idx="1">
+              <a:schemeClr val="accent1"/>
+            </a:fillRef>
+            <a:effectRef idx="0">
+              <a:schemeClr val="accent1"/>
+            </a:effectRef>
+            <a:fontRef idx="minor">
+              <a:schemeClr val="lt1"/>
+            </a:fontRef>
+          </p:style>
+          <p:txBody>
+            <a:bodyPr rtlCol="0" anchor="ctr"/>
+            <a:lstStyle/>
+            <a:p>
+              <a:pPr algn="ctr"/>
+              <a:endParaRPr lang="en-GB">
+                <a:solidFill>
+                  <a:srgbClr val="0066FF"/>
+                </a:solidFill>
+              </a:endParaRPr>
+            </a:p>
+          </p:txBody>
+        </p:sp>
+      </p:grpSp>
+      <p:sp>
+        <p:nvSpPr>
+          <p:cNvPr id="17" name="TextBox 16">
+            <a:extLst>
+              <a:ext uri="{FF2B5EF4-FFF2-40B4-BE49-F238E27FC236}">
+                <a16:creationId xmlns:a16="http://schemas.microsoft.com/office/drawing/2014/main" id="{732A87AA-582E-4137-BA01-374DDC9ED3CD}"/>
+              </a:ext>
+            </a:extLst>
+          </p:cNvPr>
+          <p:cNvSpPr txBox="1"/>
+          <p:nvPr/>
+        </p:nvSpPr>
+        <p:spPr>
+          <a:xfrm>
+            <a:off x="835024" y="3136612"/>
+            <a:ext cx="3340099" cy="584775"/>
+          </a:xfrm>
+          <a:prstGeom prst="rect">
+            <a:avLst/>
+          </a:prstGeom>
+          <a:noFill/>
+        </p:spPr>
+        <p:txBody>
+          <a:bodyPr wrap="square" rtlCol="0">
+            <a:spAutoFit/>
+          </a:bodyPr>
+          <a:lstStyle/>
+          <a:p>
+            <a:r>
+              <a:rPr lang="en-GB" sz="3200" spc="300" dirty="0">
+                <a:solidFill>
+                  <a:srgbClr val="0066FF"/>
+                </a:solidFill>
+                <a:latin typeface="Consolas" panose="020B0609020204030204" pitchFamily="49" charset="0"/>
+              </a:rPr>
+              <a:t>xandprojects</a:t>
+            </a:r>
+          </a:p>
+        </p:txBody>
+      </p:sp>
+    </p:spTree>
+    <p:extLst>
+      <p:ext uri="{BB962C8B-B14F-4D97-AF65-F5344CB8AC3E}">
+        <p14:creationId xmlns:p14="http://schemas.microsoft.com/office/powerpoint/2010/main" val="1882784113"/>
+      </p:ext>
+    </p:extLst>
+  </p:cSld>
+  <p:clrMapOvr>
+    <a:masterClrMapping/>
+  </p:clrMapOvr>
+</p:sld>
+</file>
+
 <file path=ppt/slides/slide2.xml><?xml version="1.0" encoding="utf-8"?>
 <p:sld xmlns:a="http://schemas.openxmlformats.org/drawingml/2006/main" xmlns:r="http://schemas.openxmlformats.org/officeDocument/2006/relationships" xmlns:p="http://schemas.openxmlformats.org/presentationml/2006/main">
   <p:cSld>
@@ -4210,6 +4514,288 @@
           </a:p>
         </p:txBody>
       </p:sp>
+      <p:sp>
+        <p:nvSpPr>
+          <p:cNvPr id="10" name="Rectangle: Top Corners Rounded 9">
+            <a:extLst>
+              <a:ext uri="{FF2B5EF4-FFF2-40B4-BE49-F238E27FC236}">
+                <a16:creationId xmlns:a16="http://schemas.microsoft.com/office/drawing/2014/main" id="{2AB9AE14-FB16-47D5-9199-59F7C6F5FCF3}"/>
+              </a:ext>
+            </a:extLst>
+          </p:cNvPr>
+          <p:cNvSpPr/>
+          <p:nvPr/>
+        </p:nvSpPr>
+        <p:spPr>
+          <a:xfrm rot="5400000">
+            <a:off x="2036761" y="1758951"/>
+            <a:ext cx="936625" cy="3340099"/>
+          </a:xfrm>
+          <a:prstGeom prst="round2SameRect">
+            <a:avLst>
+              <a:gd name="adj1" fmla="val 42881"/>
+              <a:gd name="adj2" fmla="val 0"/>
+            </a:avLst>
+          </a:prstGeom>
+          <a:noFill/>
+          <a:ln w="19050">
+            <a:solidFill>
+              <a:srgbClr val="FF0066"/>
+            </a:solidFill>
+          </a:ln>
+        </p:spPr>
+        <p:style>
+          <a:lnRef idx="2">
+            <a:schemeClr val="accent1">
+              <a:shade val="50000"/>
+            </a:schemeClr>
+          </a:lnRef>
+          <a:fillRef idx="1">
+            <a:schemeClr val="accent1"/>
+          </a:fillRef>
+          <a:effectRef idx="0">
+            <a:schemeClr val="accent1"/>
+          </a:effectRef>
+          <a:fontRef idx="minor">
+            <a:schemeClr val="lt1"/>
+          </a:fontRef>
+        </p:style>
+        <p:txBody>
+          <a:bodyPr rtlCol="0" anchor="ctr"/>
+          <a:lstStyle/>
+          <a:p>
+            <a:pPr algn="ctr"/>
+            <a:endParaRPr lang="en-GB" dirty="0">
+              <a:solidFill>
+                <a:srgbClr val="C80000"/>
+              </a:solidFill>
+            </a:endParaRPr>
+          </a:p>
+        </p:txBody>
+      </p:sp>
+      <p:cxnSp>
+        <p:nvCxnSpPr>
+          <p:cNvPr id="7" name="Straight Connector 6">
+            <a:extLst>
+              <a:ext uri="{FF2B5EF4-FFF2-40B4-BE49-F238E27FC236}">
+                <a16:creationId xmlns:a16="http://schemas.microsoft.com/office/drawing/2014/main" id="{0500769E-EFC8-4A0C-AC6E-CEBE5E869FB1}"/>
+              </a:ext>
+            </a:extLst>
+          </p:cNvPr>
+          <p:cNvCxnSpPr>
+            <a:cxnSpLocks/>
+          </p:cNvCxnSpPr>
+          <p:nvPr/>
+        </p:nvCxnSpPr>
+        <p:spPr>
+          <a:xfrm>
+            <a:off x="719137" y="2960688"/>
+            <a:ext cx="0" cy="936625"/>
+          </a:xfrm>
+          <a:prstGeom prst="line">
+            <a:avLst/>
+          </a:prstGeom>
+          <a:ln w="19050">
+            <a:solidFill>
+              <a:srgbClr val="FF0066"/>
+            </a:solidFill>
+          </a:ln>
+        </p:spPr>
+        <p:style>
+          <a:lnRef idx="1">
+            <a:schemeClr val="accent1"/>
+          </a:lnRef>
+          <a:fillRef idx="0">
+            <a:schemeClr val="accent1"/>
+          </a:fillRef>
+          <a:effectRef idx="0">
+            <a:schemeClr val="accent1"/>
+          </a:effectRef>
+          <a:fontRef idx="minor">
+            <a:schemeClr val="tx1"/>
+          </a:fontRef>
+        </p:style>
+      </p:cxnSp>
+      <p:sp>
+        <p:nvSpPr>
+          <p:cNvPr id="13" name="Rectangle 12">
+            <a:extLst>
+              <a:ext uri="{FF2B5EF4-FFF2-40B4-BE49-F238E27FC236}">
+                <a16:creationId xmlns:a16="http://schemas.microsoft.com/office/drawing/2014/main" id="{0F5BACFB-4C7B-44C9-BF9F-BCDC1718FC63}"/>
+              </a:ext>
+            </a:extLst>
+          </p:cNvPr>
+          <p:cNvSpPr/>
+          <p:nvPr/>
+        </p:nvSpPr>
+        <p:spPr>
+          <a:xfrm>
+            <a:off x="719137" y="3224213"/>
+            <a:ext cx="115887" cy="414337"/>
+          </a:xfrm>
+          <a:prstGeom prst="rect">
+            <a:avLst/>
+          </a:prstGeom>
+          <a:noFill/>
+          <a:ln w="19050">
+            <a:solidFill>
+              <a:srgbClr val="FF0066"/>
+            </a:solidFill>
+          </a:ln>
+        </p:spPr>
+        <p:style>
+          <a:lnRef idx="2">
+            <a:schemeClr val="accent1">
+              <a:shade val="50000"/>
+            </a:schemeClr>
+          </a:lnRef>
+          <a:fillRef idx="1">
+            <a:schemeClr val="accent1"/>
+          </a:fillRef>
+          <a:effectRef idx="0">
+            <a:schemeClr val="accent1"/>
+          </a:effectRef>
+          <a:fontRef idx="minor">
+            <a:schemeClr val="lt1"/>
+          </a:fontRef>
+        </p:style>
+        <p:txBody>
+          <a:bodyPr rtlCol="0" anchor="ctr"/>
+          <a:lstStyle/>
+          <a:p>
+            <a:pPr algn="ctr"/>
+            <a:endParaRPr lang="en-GB">
+              <a:solidFill>
+                <a:srgbClr val="C80000"/>
+              </a:solidFill>
+            </a:endParaRPr>
+          </a:p>
+        </p:txBody>
+      </p:sp>
+      <p:sp>
+        <p:nvSpPr>
+          <p:cNvPr id="17" name="TextBox 16">
+            <a:extLst>
+              <a:ext uri="{FF2B5EF4-FFF2-40B4-BE49-F238E27FC236}">
+                <a16:creationId xmlns:a16="http://schemas.microsoft.com/office/drawing/2014/main" id="{732A87AA-582E-4137-BA01-374DDC9ED3CD}"/>
+              </a:ext>
+            </a:extLst>
+          </p:cNvPr>
+          <p:cNvSpPr txBox="1"/>
+          <p:nvPr/>
+        </p:nvSpPr>
+        <p:spPr>
+          <a:xfrm>
+            <a:off x="835024" y="3136612"/>
+            <a:ext cx="3340099" cy="584775"/>
+          </a:xfrm>
+          <a:prstGeom prst="rect">
+            <a:avLst/>
+          </a:prstGeom>
+          <a:noFill/>
+        </p:spPr>
+        <p:txBody>
+          <a:bodyPr wrap="square" rtlCol="0">
+            <a:spAutoFit/>
+          </a:bodyPr>
+          <a:lstStyle/>
+          <a:p>
+            <a:r>
+              <a:rPr lang="en-GB" sz="3200" spc="300" dirty="0">
+                <a:solidFill>
+                  <a:srgbClr val="FF0066"/>
+                </a:solidFill>
+                <a:latin typeface="Consolas" panose="020B0609020204030204" pitchFamily="49" charset="0"/>
+              </a:rPr>
+              <a:t>xandprojects</a:t>
+            </a:r>
+          </a:p>
+        </p:txBody>
+      </p:sp>
+    </p:spTree>
+    <p:extLst>
+      <p:ext uri="{BB962C8B-B14F-4D97-AF65-F5344CB8AC3E}">
+        <p14:creationId xmlns:p14="http://schemas.microsoft.com/office/powerpoint/2010/main" val="24160248"/>
+      </p:ext>
+    </p:extLst>
+  </p:cSld>
+  <p:clrMapOvr>
+    <a:masterClrMapping/>
+  </p:clrMapOvr>
+</p:sld>
+</file>
+
+<file path=ppt/slides/slide5.xml><?xml version="1.0" encoding="utf-8"?>
+<p:sld xmlns:a="http://schemas.openxmlformats.org/drawingml/2006/main" xmlns:r="http://schemas.openxmlformats.org/officeDocument/2006/relationships" xmlns:p="http://schemas.openxmlformats.org/presentationml/2006/main">
+  <p:cSld>
+    <p:spTree>
+      <p:nvGrpSpPr>
+        <p:cNvPr id="1" name=""/>
+        <p:cNvGrpSpPr/>
+        <p:nvPr/>
+      </p:nvGrpSpPr>
+      <p:grpSpPr>
+        <a:xfrm>
+          <a:off x="0" y="0"/>
+          <a:ext cx="0" cy="0"/>
+          <a:chOff x="0" y="0"/>
+          <a:chExt cx="0" cy="0"/>
+        </a:xfrm>
+      </p:grpSpPr>
+      <p:sp>
+        <p:nvSpPr>
+          <p:cNvPr id="5" name="Rectangle 4">
+            <a:extLst>
+              <a:ext uri="{FF2B5EF4-FFF2-40B4-BE49-F238E27FC236}">
+                <a16:creationId xmlns:a16="http://schemas.microsoft.com/office/drawing/2014/main" id="{0FE31E72-BFA6-4FDC-9AD5-FC3C54025DD7}"/>
+              </a:ext>
+            </a:extLst>
+          </p:cNvPr>
+          <p:cNvSpPr/>
+          <p:nvPr/>
+        </p:nvSpPr>
+        <p:spPr>
+          <a:xfrm>
+            <a:off x="606425" y="2960685"/>
+            <a:ext cx="3568698" cy="936625"/>
+          </a:xfrm>
+          <a:prstGeom prst="rect">
+            <a:avLst/>
+          </a:prstGeom>
+          <a:noFill/>
+          <a:ln>
+            <a:noFill/>
+          </a:ln>
+        </p:spPr>
+        <p:style>
+          <a:lnRef idx="2">
+            <a:schemeClr val="accent1">
+              <a:shade val="50000"/>
+            </a:schemeClr>
+          </a:lnRef>
+          <a:fillRef idx="1">
+            <a:schemeClr val="accent1"/>
+          </a:fillRef>
+          <a:effectRef idx="0">
+            <a:schemeClr val="accent1"/>
+          </a:effectRef>
+          <a:fontRef idx="minor">
+            <a:schemeClr val="lt1"/>
+          </a:fontRef>
+        </p:style>
+        <p:txBody>
+          <a:bodyPr rtlCol="0" anchor="ctr"/>
+          <a:lstStyle/>
+          <a:p>
+            <a:pPr algn="ctr"/>
+            <a:endParaRPr lang="en-GB">
+              <a:solidFill>
+                <a:srgbClr val="FF0000"/>
+              </a:solidFill>
+            </a:endParaRPr>
+          </a:p>
+        </p:txBody>
+      </p:sp>
       <p:grpSp>
         <p:nvGrpSpPr>
           <p:cNvPr id="2" name="Group 1">
@@ -4442,7 +5028,7 @@
 </p:sld>
 </file>
 
-<file path=ppt/slides/slide5.xml><?xml version="1.0" encoding="utf-8"?>
+<file path=ppt/slides/slide6.xml><?xml version="1.0" encoding="utf-8"?>
 <p:sld xmlns:a="http://schemas.openxmlformats.org/drawingml/2006/main" xmlns:r="http://schemas.openxmlformats.org/officeDocument/2006/relationships" xmlns:p="http://schemas.openxmlformats.org/presentationml/2006/main">
   <p:cSld>
     <p:spTree>
@@ -4745,7 +5331,7 @@
 </p:sld>
 </file>
 
-<file path=ppt/slides/slide6.xml><?xml version="1.0" encoding="utf-8"?>
+<file path=ppt/slides/slide7.xml><?xml version="1.0" encoding="utf-8"?>
 <p:sld xmlns:a="http://schemas.openxmlformats.org/drawingml/2006/main" xmlns:r="http://schemas.openxmlformats.org/officeDocument/2006/relationships" xmlns:p="http://schemas.openxmlformats.org/presentationml/2006/main">
   <p:cSld>
     <p:spTree>
@@ -5048,7 +5634,7 @@
 </p:sld>
 </file>
 
-<file path=ppt/slides/slide7.xml><?xml version="1.0" encoding="utf-8"?>
+<file path=ppt/slides/slide8.xml><?xml version="1.0" encoding="utf-8"?>
 <p:sld xmlns:a="http://schemas.openxmlformats.org/drawingml/2006/main" xmlns:r="http://schemas.openxmlformats.org/officeDocument/2006/relationships" xmlns:p="http://schemas.openxmlformats.org/presentationml/2006/main">
   <p:cSld>
     <p:spTree>
@@ -5351,7 +5937,7 @@
 </p:sld>
 </file>
 
-<file path=ppt/slides/slide8.xml><?xml version="1.0" encoding="utf-8"?>
+<file path=ppt/slides/slide9.xml><?xml version="1.0" encoding="utf-8"?>
 <p:sld xmlns:a="http://schemas.openxmlformats.org/drawingml/2006/main" xmlns:r="http://schemas.openxmlformats.org/officeDocument/2006/relationships" xmlns:p="http://schemas.openxmlformats.org/presentationml/2006/main">
   <p:cSld>
     <p:spTree>
@@ -5645,309 +6231,6 @@
     <p:extLst>
       <p:ext uri="{BB962C8B-B14F-4D97-AF65-F5344CB8AC3E}">
         <p14:creationId xmlns:p14="http://schemas.microsoft.com/office/powerpoint/2010/main" val="1756667155"/>
-      </p:ext>
-    </p:extLst>
-  </p:cSld>
-  <p:clrMapOvr>
-    <a:masterClrMapping/>
-  </p:clrMapOvr>
-</p:sld>
-</file>
-
-<file path=ppt/slides/slide9.xml><?xml version="1.0" encoding="utf-8"?>
-<p:sld xmlns:a="http://schemas.openxmlformats.org/drawingml/2006/main" xmlns:r="http://schemas.openxmlformats.org/officeDocument/2006/relationships" xmlns:p="http://schemas.openxmlformats.org/presentationml/2006/main">
-  <p:cSld>
-    <p:spTree>
-      <p:nvGrpSpPr>
-        <p:cNvPr id="1" name=""/>
-        <p:cNvGrpSpPr/>
-        <p:nvPr/>
-      </p:nvGrpSpPr>
-      <p:grpSpPr>
-        <a:xfrm>
-          <a:off x="0" y="0"/>
-          <a:ext cx="0" cy="0"/>
-          <a:chOff x="0" y="0"/>
-          <a:chExt cx="0" cy="0"/>
-        </a:xfrm>
-      </p:grpSpPr>
-      <p:sp>
-        <p:nvSpPr>
-          <p:cNvPr id="5" name="Rectangle 4">
-            <a:extLst>
-              <a:ext uri="{FF2B5EF4-FFF2-40B4-BE49-F238E27FC236}">
-                <a16:creationId xmlns:a16="http://schemas.microsoft.com/office/drawing/2014/main" id="{0FE31E72-BFA6-4FDC-9AD5-FC3C54025DD7}"/>
-              </a:ext>
-            </a:extLst>
-          </p:cNvPr>
-          <p:cNvSpPr/>
-          <p:nvPr/>
-        </p:nvSpPr>
-        <p:spPr>
-          <a:xfrm>
-            <a:off x="606425" y="2960685"/>
-            <a:ext cx="3568698" cy="936625"/>
-          </a:xfrm>
-          <a:prstGeom prst="rect">
-            <a:avLst/>
-          </a:prstGeom>
-          <a:noFill/>
-          <a:ln>
-            <a:noFill/>
-          </a:ln>
-        </p:spPr>
-        <p:style>
-          <a:lnRef idx="2">
-            <a:schemeClr val="accent1">
-              <a:shade val="50000"/>
-            </a:schemeClr>
-          </a:lnRef>
-          <a:fillRef idx="1">
-            <a:schemeClr val="accent1"/>
-          </a:fillRef>
-          <a:effectRef idx="0">
-            <a:schemeClr val="accent1"/>
-          </a:effectRef>
-          <a:fontRef idx="minor">
-            <a:schemeClr val="lt1"/>
-          </a:fontRef>
-        </p:style>
-        <p:txBody>
-          <a:bodyPr rtlCol="0" anchor="ctr"/>
-          <a:lstStyle/>
-          <a:p>
-            <a:pPr algn="ctr"/>
-            <a:endParaRPr lang="en-GB">
-              <a:solidFill>
-                <a:srgbClr val="FF0000"/>
-              </a:solidFill>
-            </a:endParaRPr>
-          </a:p>
-        </p:txBody>
-      </p:sp>
-      <p:grpSp>
-        <p:nvGrpSpPr>
-          <p:cNvPr id="2" name="Group 1">
-            <a:extLst>
-              <a:ext uri="{FF2B5EF4-FFF2-40B4-BE49-F238E27FC236}">
-                <a16:creationId xmlns:a16="http://schemas.microsoft.com/office/drawing/2014/main" id="{5415F249-DF0B-4B04-99DC-10979FC04E24}"/>
-              </a:ext>
-            </a:extLst>
-          </p:cNvPr>
-          <p:cNvGrpSpPr/>
-          <p:nvPr/>
-        </p:nvGrpSpPr>
-        <p:grpSpPr>
-          <a:xfrm>
-            <a:off x="719137" y="2960688"/>
-            <a:ext cx="3455986" cy="936625"/>
-            <a:chOff x="719137" y="2960688"/>
-            <a:chExt cx="3455986" cy="936625"/>
-          </a:xfrm>
-        </p:grpSpPr>
-        <p:sp>
-          <p:nvSpPr>
-            <p:cNvPr id="10" name="Rectangle: Top Corners Rounded 9">
-              <a:extLst>
-                <a:ext uri="{FF2B5EF4-FFF2-40B4-BE49-F238E27FC236}">
-                  <a16:creationId xmlns:a16="http://schemas.microsoft.com/office/drawing/2014/main" id="{2AB9AE14-FB16-47D5-9199-59F7C6F5FCF3}"/>
-                </a:ext>
-              </a:extLst>
-            </p:cNvPr>
-            <p:cNvSpPr/>
-            <p:nvPr/>
-          </p:nvSpPr>
-          <p:spPr>
-            <a:xfrm rot="5400000">
-              <a:off x="2036761" y="1758951"/>
-              <a:ext cx="936625" cy="3340099"/>
-            </a:xfrm>
-            <a:prstGeom prst="round2SameRect">
-              <a:avLst>
-                <a:gd name="adj1" fmla="val 42881"/>
-                <a:gd name="adj2" fmla="val 0"/>
-              </a:avLst>
-            </a:prstGeom>
-            <a:noFill/>
-            <a:ln w="19050">
-              <a:solidFill>
-                <a:srgbClr val="0066FF"/>
-              </a:solidFill>
-            </a:ln>
-          </p:spPr>
-          <p:style>
-            <a:lnRef idx="2">
-              <a:schemeClr val="accent1">
-                <a:shade val="50000"/>
-              </a:schemeClr>
-            </a:lnRef>
-            <a:fillRef idx="1">
-              <a:schemeClr val="accent1"/>
-            </a:fillRef>
-            <a:effectRef idx="0">
-              <a:schemeClr val="accent1"/>
-            </a:effectRef>
-            <a:fontRef idx="minor">
-              <a:schemeClr val="lt1"/>
-            </a:fontRef>
-          </p:style>
-          <p:txBody>
-            <a:bodyPr rtlCol="0" anchor="ctr"/>
-            <a:lstStyle/>
-            <a:p>
-              <a:pPr algn="ctr"/>
-              <a:endParaRPr lang="en-GB" dirty="0">
-                <a:solidFill>
-                  <a:srgbClr val="0066FF"/>
-                </a:solidFill>
-              </a:endParaRPr>
-            </a:p>
-          </p:txBody>
-        </p:sp>
-        <p:cxnSp>
-          <p:nvCxnSpPr>
-            <p:cNvPr id="7" name="Straight Connector 6">
-              <a:extLst>
-                <a:ext uri="{FF2B5EF4-FFF2-40B4-BE49-F238E27FC236}">
-                  <a16:creationId xmlns:a16="http://schemas.microsoft.com/office/drawing/2014/main" id="{0500769E-EFC8-4A0C-AC6E-CEBE5E869FB1}"/>
-                </a:ext>
-              </a:extLst>
-            </p:cNvPr>
-            <p:cNvCxnSpPr>
-              <a:cxnSpLocks/>
-            </p:cNvCxnSpPr>
-            <p:nvPr/>
-          </p:nvCxnSpPr>
-          <p:spPr>
-            <a:xfrm>
-              <a:off x="719137" y="2960688"/>
-              <a:ext cx="0" cy="936625"/>
-            </a:xfrm>
-            <a:prstGeom prst="line">
-              <a:avLst/>
-            </a:prstGeom>
-            <a:ln w="19050">
-              <a:solidFill>
-                <a:srgbClr val="0066FF"/>
-              </a:solidFill>
-            </a:ln>
-          </p:spPr>
-          <p:style>
-            <a:lnRef idx="1">
-              <a:schemeClr val="accent1"/>
-            </a:lnRef>
-            <a:fillRef idx="0">
-              <a:schemeClr val="accent1"/>
-            </a:fillRef>
-            <a:effectRef idx="0">
-              <a:schemeClr val="accent1"/>
-            </a:effectRef>
-            <a:fontRef idx="minor">
-              <a:schemeClr val="tx1"/>
-            </a:fontRef>
-          </p:style>
-        </p:cxnSp>
-        <p:sp>
-          <p:nvSpPr>
-            <p:cNvPr id="13" name="Rectangle 12">
-              <a:extLst>
-                <a:ext uri="{FF2B5EF4-FFF2-40B4-BE49-F238E27FC236}">
-                  <a16:creationId xmlns:a16="http://schemas.microsoft.com/office/drawing/2014/main" id="{0F5BACFB-4C7B-44C9-BF9F-BCDC1718FC63}"/>
-                </a:ext>
-              </a:extLst>
-            </p:cNvPr>
-            <p:cNvSpPr/>
-            <p:nvPr/>
-          </p:nvSpPr>
-          <p:spPr>
-            <a:xfrm>
-              <a:off x="719137" y="3224213"/>
-              <a:ext cx="115887" cy="414337"/>
-            </a:xfrm>
-            <a:prstGeom prst="rect">
-              <a:avLst/>
-            </a:prstGeom>
-            <a:noFill/>
-            <a:ln w="19050">
-              <a:solidFill>
-                <a:srgbClr val="0066FF"/>
-              </a:solidFill>
-            </a:ln>
-          </p:spPr>
-          <p:style>
-            <a:lnRef idx="2">
-              <a:schemeClr val="accent1">
-                <a:shade val="50000"/>
-              </a:schemeClr>
-            </a:lnRef>
-            <a:fillRef idx="1">
-              <a:schemeClr val="accent1"/>
-            </a:fillRef>
-            <a:effectRef idx="0">
-              <a:schemeClr val="accent1"/>
-            </a:effectRef>
-            <a:fontRef idx="minor">
-              <a:schemeClr val="lt1"/>
-            </a:fontRef>
-          </p:style>
-          <p:txBody>
-            <a:bodyPr rtlCol="0" anchor="ctr"/>
-            <a:lstStyle/>
-            <a:p>
-              <a:pPr algn="ctr"/>
-              <a:endParaRPr lang="en-GB">
-                <a:solidFill>
-                  <a:srgbClr val="0066FF"/>
-                </a:solidFill>
-              </a:endParaRPr>
-            </a:p>
-          </p:txBody>
-        </p:sp>
-      </p:grpSp>
-      <p:sp>
-        <p:nvSpPr>
-          <p:cNvPr id="17" name="TextBox 16">
-            <a:extLst>
-              <a:ext uri="{FF2B5EF4-FFF2-40B4-BE49-F238E27FC236}">
-                <a16:creationId xmlns:a16="http://schemas.microsoft.com/office/drawing/2014/main" id="{732A87AA-582E-4137-BA01-374DDC9ED3CD}"/>
-              </a:ext>
-            </a:extLst>
-          </p:cNvPr>
-          <p:cNvSpPr txBox="1"/>
-          <p:nvPr/>
-        </p:nvSpPr>
-        <p:spPr>
-          <a:xfrm>
-            <a:off x="835024" y="3136612"/>
-            <a:ext cx="3340099" cy="584775"/>
-          </a:xfrm>
-          <a:prstGeom prst="rect">
-            <a:avLst/>
-          </a:prstGeom>
-          <a:noFill/>
-        </p:spPr>
-        <p:txBody>
-          <a:bodyPr wrap="square" rtlCol="0">
-            <a:spAutoFit/>
-          </a:bodyPr>
-          <a:lstStyle/>
-          <a:p>
-            <a:r>
-              <a:rPr lang="en-GB" sz="3200" spc="300" dirty="0">
-                <a:solidFill>
-                  <a:srgbClr val="0066FF"/>
-                </a:solidFill>
-                <a:latin typeface="Consolas" panose="020B0609020204030204" pitchFamily="49" charset="0"/>
-              </a:rPr>
-              <a:t>xandprojects</a:t>
-            </a:r>
-          </a:p>
-        </p:txBody>
-      </p:sp>
-    </p:spTree>
-    <p:extLst>
-      <p:ext uri="{BB962C8B-B14F-4D97-AF65-F5344CB8AC3E}">
-        <p14:creationId xmlns:p14="http://schemas.microsoft.com/office/powerpoint/2010/main" val="1882784113"/>
       </p:ext>
     </p:extLst>
   </p:cSld>
